--- a/DynamicArray/presentation/Arrays.pptx
+++ b/DynamicArray/presentation/Arrays.pptx
@@ -23,11 +23,6 @@
     <p:sldId id="268" r:id="rId20"/>
     <p:sldId id="269" r:id="rId21"/>
     <p:sldId id="270" r:id="rId22"/>
-    <p:sldId id="271" r:id="rId23"/>
-    <p:sldId id="272" r:id="rId24"/>
-    <p:sldId id="273" r:id="rId25"/>
-    <p:sldId id="274" r:id="rId26"/>
-    <p:sldId id="275" r:id="rId27"/>
   </p:sldIdLst>
   <p:sldSz cx="13004800" cy="9753600"/>
   <p:notesSz cx="6858000" cy="9144000"/>
@@ -529,7 +524,7 @@
       </p:grpSpPr>
       <p:sp>
         <p:nvSpPr>
-          <p:cNvPr id="122" name="Shape 122"/>
+          <p:cNvPr id="121" name="Shape 121"/>
           <p:cNvSpPr/>
           <p:nvPr>
             <p:ph type="sldImg"/>
@@ -550,7 +545,7 @@
       </p:sp>
       <p:sp>
         <p:nvSpPr>
-          <p:cNvPr id="123" name="Shape 123"/>
+          <p:cNvPr id="122" name="Shape 122"/>
           <p:cNvSpPr/>
           <p:nvPr>
             <p:ph type="body" sz="quarter" idx="1"/>
@@ -568,76 +563,6 @@
             <a:pPr/>
             <a:r>
               <a:t>Let’s talk about Arrays, probably the most used data structure, this is part 1 of 2 in the array videos. The reason the array is used so much is because it forms a fundamental building block for all other data structures, so we see it everywhere. With arrays and pointers alone i’m pretty sure you can construct just about any data structure.</a:t>
-            </a:r>
-          </a:p>
-        </p:txBody>
-      </p:sp>
-    </p:spTree>
-  </p:cSld>
-  <p:clrMapOvr>
-    <a:masterClrMapping/>
-  </p:clrMapOvr>
-</p:notes>
-</file>
-
-<file path=ppt/notesSlides/notesSlide10.xml><?xml version="1.0" encoding="utf-8"?>
-<p:notes xmlns:a="http://schemas.openxmlformats.org/drawingml/2006/main" xmlns:r="http://schemas.openxmlformats.org/officeDocument/2006/relationships" xmlns:p="http://schemas.openxmlformats.org/presentationml/2006/main" showMasterSp="1" showMasterPhAnim="1">
-  <p:cSld>
-    <p:spTree>
-      <p:nvGrpSpPr>
-        <p:cNvPr id="1" name=""/>
-        <p:cNvGrpSpPr/>
-        <p:nvPr/>
-      </p:nvGrpSpPr>
-      <p:grpSpPr>
-        <a:xfrm>
-          <a:off x="0" y="0"/>
-          <a:ext cx="0" cy="0"/>
-          <a:chOff x="0" y="0"/>
-          <a:chExt cx="0" cy="0"/>
-        </a:xfrm>
-      </p:grpSpPr>
-      <p:sp>
-        <p:nvSpPr>
-          <p:cNvPr id="351" name="Shape 351"/>
-          <p:cNvSpPr/>
-          <p:nvPr>
-            <p:ph type="sldImg"/>
-          </p:nvPr>
-        </p:nvSpPr>
-        <p:spPr>
-          <a:prstGeom prst="rect">
-            <a:avLst/>
-          </a:prstGeom>
-        </p:spPr>
-        <p:txBody>
-          <a:bodyPr/>
-          <a:lstStyle/>
-          <a:p>
-            <a:pPr/>
-          </a:p>
-        </p:txBody>
-      </p:sp>
-      <p:sp>
-        <p:nvSpPr>
-          <p:cNvPr id="352" name="Shape 352"/>
-          <p:cNvSpPr/>
-          <p:nvPr>
-            <p:ph type="body" sz="quarter" idx="1"/>
-          </p:nvPr>
-        </p:nvSpPr>
-        <p:spPr>
-          <a:prstGeom prst="rect">
-            <a:avLst/>
-          </a:prstGeom>
-        </p:spPr>
-        <p:txBody>
-          <a:bodyPr/>
-          <a:lstStyle/>
-          <a:p>
-            <a:pPr/>
-            <a:r>
-              <a:t>Alright time for to have a look at some source code! I implemented a dynamic array we can have a look at in some detail. Also, if you want the source code for the dynamic array in the next video have a look at the link to the code repo provided on this slide. I should also have provided a link in the description. Thanks for watching and see you in the next video!</a:t>
             </a:r>
           </a:p>
         </p:txBody>
@@ -669,7 +594,7 @@
       </p:grpSpPr>
       <p:sp>
         <p:nvSpPr>
-          <p:cNvPr id="127" name="Shape 127"/>
+          <p:cNvPr id="126" name="Shape 126"/>
           <p:cNvSpPr/>
           <p:nvPr>
             <p:ph type="sldImg"/>
@@ -690,7 +615,7 @@
       </p:sp>
       <p:sp>
         <p:nvSpPr>
-          <p:cNvPr id="128" name="Shape 128"/>
+          <p:cNvPr id="127" name="Shape 127"/>
           <p:cNvSpPr/>
           <p:nvPr>
             <p:ph type="body" sz="quarter" idx="1"/>
@@ -739,7 +664,7 @@
       </p:grpSpPr>
       <p:sp>
         <p:nvSpPr>
-          <p:cNvPr id="135" name="Shape 135"/>
+          <p:cNvPr id="134" name="Shape 134"/>
           <p:cNvSpPr/>
           <p:nvPr>
             <p:ph type="sldImg"/>
@@ -760,7 +685,7 @@
       </p:sp>
       <p:sp>
         <p:nvSpPr>
-          <p:cNvPr id="136" name="Shape 136"/>
+          <p:cNvPr id="135" name="Shape 135"/>
           <p:cNvSpPr/>
           <p:nvPr>
             <p:ph type="body" sz="quarter" idx="1"/>
@@ -818,7 +743,7 @@
       </p:grpSpPr>
       <p:sp>
         <p:nvSpPr>
-          <p:cNvPr id="140" name="Shape 140"/>
+          <p:cNvPr id="139" name="Shape 139"/>
           <p:cNvSpPr/>
           <p:nvPr>
             <p:ph type="sldImg"/>
@@ -839,7 +764,7 @@
       </p:sp>
       <p:sp>
         <p:nvSpPr>
-          <p:cNvPr id="141" name="Shape 141"/>
+          <p:cNvPr id="140" name="Shape 140"/>
           <p:cNvSpPr/>
           <p:nvPr>
             <p:ph type="body" sz="quarter" idx="1"/>
@@ -933,7 +858,7 @@
       </p:grpSpPr>
       <p:sp>
         <p:nvSpPr>
-          <p:cNvPr id="147" name="Shape 147"/>
+          <p:cNvPr id="146" name="Shape 146"/>
           <p:cNvSpPr/>
           <p:nvPr>
             <p:ph type="sldImg"/>
@@ -954,7 +879,7 @@
       </p:sp>
       <p:sp>
         <p:nvSpPr>
-          <p:cNvPr id="148" name="Shape 148"/>
+          <p:cNvPr id="147" name="Shape 147"/>
           <p:cNvSpPr/>
           <p:nvPr>
             <p:ph type="body" sz="quarter" idx="1"/>
@@ -1045,7 +970,7 @@
       </p:grpSpPr>
       <p:sp>
         <p:nvSpPr>
-          <p:cNvPr id="173" name="Shape 173"/>
+          <p:cNvPr id="172" name="Shape 172"/>
           <p:cNvSpPr/>
           <p:nvPr>
             <p:ph type="sldImg"/>
@@ -1066,7 +991,7 @@
       </p:sp>
       <p:sp>
         <p:nvSpPr>
-          <p:cNvPr id="174" name="Shape 174"/>
+          <p:cNvPr id="173" name="Shape 173"/>
           <p:cNvSpPr/>
           <p:nvPr>
             <p:ph type="body" sz="quarter" idx="1"/>
@@ -1115,7 +1040,7 @@
       </p:grpSpPr>
       <p:sp>
         <p:nvSpPr>
-          <p:cNvPr id="326" name="Shape 326"/>
+          <p:cNvPr id="325" name="Shape 325"/>
           <p:cNvSpPr/>
           <p:nvPr>
             <p:ph type="sldImg"/>
@@ -1136,7 +1061,7 @@
       </p:sp>
       <p:sp>
         <p:nvSpPr>
-          <p:cNvPr id="327" name="Shape 327"/>
+          <p:cNvPr id="326" name="Shape 326"/>
           <p:cNvSpPr/>
           <p:nvPr>
             <p:ph type="body" sz="quarter" idx="1"/>
@@ -1185,7 +1110,7 @@
       </p:grpSpPr>
       <p:sp>
         <p:nvSpPr>
-          <p:cNvPr id="333" name="Shape 333"/>
+          <p:cNvPr id="332" name="Shape 332"/>
           <p:cNvSpPr/>
           <p:nvPr>
             <p:ph type="sldImg"/>
@@ -1206,7 +1131,7 @@
       </p:sp>
       <p:sp>
         <p:nvSpPr>
-          <p:cNvPr id="334" name="Shape 334"/>
+          <p:cNvPr id="333" name="Shape 333"/>
           <p:cNvSpPr/>
           <p:nvPr>
             <p:ph type="body" sz="quarter" idx="1"/>
@@ -1255,7 +1180,7 @@
       </p:grpSpPr>
       <p:sp>
         <p:nvSpPr>
-          <p:cNvPr id="345" name="Shape 345"/>
+          <p:cNvPr id="344" name="Shape 344"/>
           <p:cNvSpPr/>
           <p:nvPr>
             <p:ph type="sldImg"/>
@@ -1276,7 +1201,7 @@
       </p:sp>
       <p:sp>
         <p:nvSpPr>
-          <p:cNvPr id="346" name="Shape 346"/>
+          <p:cNvPr id="345" name="Shape 345"/>
           <p:cNvSpPr/>
           <p:nvPr>
             <p:ph type="body" sz="quarter" idx="1"/>
@@ -1343,7 +1268,7 @@
       </p:grpSpPr>
       <p:sp>
         <p:nvSpPr>
-          <p:cNvPr id="11" name="Shape 11"/>
+          <p:cNvPr id="11" name="Title Text"/>
           <p:cNvSpPr/>
           <p:nvPr>
             <p:ph type="title"/>
@@ -1371,7 +1296,7 @@
       </p:sp>
       <p:sp>
         <p:nvSpPr>
-          <p:cNvPr id="12" name="Shape 12"/>
+          <p:cNvPr id="12" name="Body Level One…"/>
           <p:cNvSpPr/>
           <p:nvPr>
             <p:ph type="body" sz="quarter" idx="1"/>
@@ -1464,7 +1389,7 @@
       </p:sp>
       <p:sp>
         <p:nvSpPr>
-          <p:cNvPr id="13" name="Shape 13"/>
+          <p:cNvPr id="13" name="Slide Number"/>
           <p:cNvSpPr/>
           <p:nvPr>
             <p:ph type="sldNum" sz="quarter" idx="2"/>
@@ -1512,7 +1437,7 @@
       </p:grpSpPr>
       <p:sp>
         <p:nvSpPr>
-          <p:cNvPr id="93" name="Shape 93"/>
+          <p:cNvPr id="93" name="–Johnny Appleseed"/>
           <p:cNvSpPr/>
           <p:nvPr>
             <p:ph type="body" sz="quarter" idx="13"/>
@@ -1556,7 +1481,7 @@
       </p:sp>
       <p:sp>
         <p:nvSpPr>
-          <p:cNvPr id="94" name="Shape 94"/>
+          <p:cNvPr id="94" name="“Type a quote here.”"/>
           <p:cNvSpPr/>
           <p:nvPr>
             <p:ph type="body" sz="quarter" idx="14"/>
@@ -1600,7 +1525,7 @@
       </p:sp>
       <p:sp>
         <p:nvSpPr>
-          <p:cNvPr id="95" name="Shape 95"/>
+          <p:cNvPr id="95" name="Slide Number"/>
           <p:cNvSpPr/>
           <p:nvPr>
             <p:ph type="sldNum" sz="quarter" idx="2"/>
@@ -1648,7 +1573,7 @@
       </p:grpSpPr>
       <p:sp>
         <p:nvSpPr>
-          <p:cNvPr id="102" name="Shape 102"/>
+          <p:cNvPr id="102" name="Image"/>
           <p:cNvSpPr/>
           <p:nvPr>
             <p:ph type="pic" idx="13"/>
@@ -1675,7 +1600,7 @@
       </p:sp>
       <p:sp>
         <p:nvSpPr>
-          <p:cNvPr id="103" name="Shape 103"/>
+          <p:cNvPr id="103" name="Slide Number"/>
           <p:cNvSpPr/>
           <p:nvPr>
             <p:ph type="sldNum" sz="quarter" idx="2"/>
@@ -1723,7 +1648,7 @@
       </p:grpSpPr>
       <p:sp>
         <p:nvSpPr>
-          <p:cNvPr id="110" name="Shape 110"/>
+          <p:cNvPr id="110" name="Slide Number"/>
           <p:cNvSpPr/>
           <p:nvPr>
             <p:ph type="sldNum" sz="quarter" idx="2"/>
@@ -1771,7 +1696,7 @@
       </p:grpSpPr>
       <p:sp>
         <p:nvSpPr>
-          <p:cNvPr id="20" name="Shape 20"/>
+          <p:cNvPr id="20" name="Image"/>
           <p:cNvSpPr/>
           <p:nvPr>
             <p:ph type="pic" idx="13"/>
@@ -1798,7 +1723,7 @@
       </p:sp>
       <p:sp>
         <p:nvSpPr>
-          <p:cNvPr id="21" name="Shape 21"/>
+          <p:cNvPr id="21" name="Title Text"/>
           <p:cNvSpPr/>
           <p:nvPr>
             <p:ph type="title"/>
@@ -1826,7 +1751,7 @@
       </p:sp>
       <p:sp>
         <p:nvSpPr>
-          <p:cNvPr id="22" name="Shape 22"/>
+          <p:cNvPr id="22" name="Body Level One…"/>
           <p:cNvSpPr/>
           <p:nvPr>
             <p:ph type="body" sz="quarter" idx="1"/>
@@ -1944,7 +1869,7 @@
       </p:sp>
       <p:sp>
         <p:nvSpPr>
-          <p:cNvPr id="23" name="Shape 23"/>
+          <p:cNvPr id="23" name="Slide Number"/>
           <p:cNvSpPr/>
           <p:nvPr>
             <p:ph type="sldNum" sz="quarter" idx="2"/>
@@ -1992,7 +1917,7 @@
       </p:grpSpPr>
       <p:sp>
         <p:nvSpPr>
-          <p:cNvPr id="30" name="Shape 30"/>
+          <p:cNvPr id="30" name="Title Text"/>
           <p:cNvSpPr/>
           <p:nvPr>
             <p:ph type="title"/>
@@ -2020,7 +1945,7 @@
       </p:sp>
       <p:sp>
         <p:nvSpPr>
-          <p:cNvPr id="31" name="Shape 31"/>
+          <p:cNvPr id="31" name="Slide Number"/>
           <p:cNvSpPr/>
           <p:nvPr>
             <p:ph type="sldNum" sz="quarter" idx="2"/>
@@ -2068,7 +1993,7 @@
       </p:grpSpPr>
       <p:sp>
         <p:nvSpPr>
-          <p:cNvPr id="38" name="Shape 38"/>
+          <p:cNvPr id="38" name="Image"/>
           <p:cNvSpPr/>
           <p:nvPr>
             <p:ph type="pic" sz="half" idx="13"/>
@@ -2095,7 +2020,7 @@
       </p:sp>
       <p:sp>
         <p:nvSpPr>
-          <p:cNvPr id="39" name="Shape 39"/>
+          <p:cNvPr id="39" name="Title Text"/>
           <p:cNvSpPr/>
           <p:nvPr>
             <p:ph type="title"/>
@@ -2132,7 +2057,7 @@
       </p:sp>
       <p:sp>
         <p:nvSpPr>
-          <p:cNvPr id="40" name="Shape 40"/>
+          <p:cNvPr id="40" name="Body Level One…"/>
           <p:cNvSpPr/>
           <p:nvPr>
             <p:ph type="body" sz="quarter" idx="1"/>
@@ -2250,7 +2175,7 @@
       </p:sp>
       <p:sp>
         <p:nvSpPr>
-          <p:cNvPr id="41" name="Shape 41"/>
+          <p:cNvPr id="41" name="Slide Number"/>
           <p:cNvSpPr/>
           <p:nvPr>
             <p:ph type="sldNum" sz="quarter" idx="2"/>
@@ -2298,7 +2223,7 @@
       </p:grpSpPr>
       <p:sp>
         <p:nvSpPr>
-          <p:cNvPr id="48" name="Shape 48"/>
+          <p:cNvPr id="48" name="Title Text"/>
           <p:cNvSpPr/>
           <p:nvPr>
             <p:ph type="title"/>
@@ -2322,7 +2247,7 @@
       </p:sp>
       <p:sp>
         <p:nvSpPr>
-          <p:cNvPr id="49" name="Shape 49"/>
+          <p:cNvPr id="49" name="Slide Number"/>
           <p:cNvSpPr/>
           <p:nvPr>
             <p:ph type="sldNum" sz="quarter" idx="2"/>
@@ -2370,7 +2295,7 @@
       </p:grpSpPr>
       <p:sp>
         <p:nvSpPr>
-          <p:cNvPr id="56" name="Shape 56"/>
+          <p:cNvPr id="56" name="Title Text"/>
           <p:cNvSpPr/>
           <p:nvPr>
             <p:ph type="title"/>
@@ -2394,7 +2319,7 @@
       </p:sp>
       <p:sp>
         <p:nvSpPr>
-          <p:cNvPr id="57" name="Shape 57"/>
+          <p:cNvPr id="57" name="Body Level One…"/>
           <p:cNvSpPr/>
           <p:nvPr>
             <p:ph type="body" idx="1"/>
@@ -2442,7 +2367,7 @@
       </p:sp>
       <p:sp>
         <p:nvSpPr>
-          <p:cNvPr id="58" name="Shape 58"/>
+          <p:cNvPr id="58" name="Slide Number"/>
           <p:cNvSpPr/>
           <p:nvPr>
             <p:ph type="sldNum" sz="quarter" idx="2"/>
@@ -2490,7 +2415,7 @@
       </p:grpSpPr>
       <p:sp>
         <p:nvSpPr>
-          <p:cNvPr id="65" name="Shape 65"/>
+          <p:cNvPr id="65" name="Image"/>
           <p:cNvSpPr/>
           <p:nvPr>
             <p:ph type="pic" sz="half" idx="13"/>
@@ -2517,7 +2442,7 @@
       </p:sp>
       <p:sp>
         <p:nvSpPr>
-          <p:cNvPr id="66" name="Shape 66"/>
+          <p:cNvPr id="66" name="Title Text"/>
           <p:cNvSpPr/>
           <p:nvPr>
             <p:ph type="title"/>
@@ -2541,7 +2466,7 @@
       </p:sp>
       <p:sp>
         <p:nvSpPr>
-          <p:cNvPr id="67" name="Shape 67"/>
+          <p:cNvPr id="67" name="Body Level One…"/>
           <p:cNvSpPr/>
           <p:nvPr>
             <p:ph type="body" sz="half" idx="1"/>
@@ -2624,7 +2549,7 @@
       </p:sp>
       <p:sp>
         <p:nvSpPr>
-          <p:cNvPr id="68" name="Shape 68"/>
+          <p:cNvPr id="68" name="Slide Number"/>
           <p:cNvSpPr/>
           <p:nvPr>
             <p:ph type="sldNum" sz="quarter" idx="2"/>
@@ -2672,7 +2597,7 @@
       </p:grpSpPr>
       <p:sp>
         <p:nvSpPr>
-          <p:cNvPr id="75" name="Shape 75"/>
+          <p:cNvPr id="75" name="Body Level One…"/>
           <p:cNvSpPr/>
           <p:nvPr>
             <p:ph type="body" idx="1"/>
@@ -2724,7 +2649,7 @@
       </p:sp>
       <p:sp>
         <p:nvSpPr>
-          <p:cNvPr id="76" name="Shape 76"/>
+          <p:cNvPr id="76" name="Slide Number"/>
           <p:cNvSpPr/>
           <p:nvPr>
             <p:ph type="sldNum" sz="quarter" idx="2"/>
@@ -2772,7 +2697,7 @@
       </p:grpSpPr>
       <p:sp>
         <p:nvSpPr>
-          <p:cNvPr id="83" name="Shape 83"/>
+          <p:cNvPr id="83" name="Image"/>
           <p:cNvSpPr/>
           <p:nvPr>
             <p:ph type="pic" sz="quarter" idx="13"/>
@@ -2799,7 +2724,7 @@
       </p:sp>
       <p:sp>
         <p:nvSpPr>
-          <p:cNvPr id="84" name="Shape 84"/>
+          <p:cNvPr id="84" name="Image"/>
           <p:cNvSpPr/>
           <p:nvPr>
             <p:ph type="pic" sz="quarter" idx="14"/>
@@ -2826,7 +2751,7 @@
       </p:sp>
       <p:sp>
         <p:nvSpPr>
-          <p:cNvPr id="85" name="Shape 85"/>
+          <p:cNvPr id="85" name="Image"/>
           <p:cNvSpPr/>
           <p:nvPr>
             <p:ph type="pic" sz="half" idx="15"/>
@@ -2853,7 +2778,7 @@
       </p:sp>
       <p:sp>
         <p:nvSpPr>
-          <p:cNvPr id="86" name="Shape 86"/>
+          <p:cNvPr id="86" name="Slide Number"/>
           <p:cNvSpPr/>
           <p:nvPr>
             <p:ph type="sldNum" sz="quarter" idx="2"/>
@@ -2908,7 +2833,7 @@
       </p:grpSpPr>
       <p:sp>
         <p:nvSpPr>
-          <p:cNvPr id="2" name="Shape 2"/>
+          <p:cNvPr id="2" name="Title Text"/>
           <p:cNvSpPr/>
           <p:nvPr>
             <p:ph type="title"/>
@@ -2946,7 +2871,7 @@
       </p:sp>
       <p:sp>
         <p:nvSpPr>
-          <p:cNvPr id="3" name="Shape 3"/>
+          <p:cNvPr id="3" name="Body Level One…"/>
           <p:cNvSpPr/>
           <p:nvPr>
             <p:ph type="body" idx="1"/>
@@ -3008,7 +2933,7 @@
       </p:sp>
       <p:sp>
         <p:nvSpPr>
-          <p:cNvPr id="4" name="Shape 4"/>
+          <p:cNvPr id="4" name="Slide Number"/>
           <p:cNvSpPr/>
           <p:nvPr>
             <p:ph type="sldNum" sz="quarter" idx="2"/>
@@ -3877,7 +3802,7 @@
       </p:grpSpPr>
       <p:sp>
         <p:nvSpPr>
-          <p:cNvPr id="119" name="Shape 119"/>
+          <p:cNvPr id="119" name="Static and Dynamic Arrays"/>
           <p:cNvSpPr/>
           <p:nvPr>
             <p:ph type="ctrTitle"/>
@@ -3905,7 +3830,7 @@
       </p:sp>
       <p:sp>
         <p:nvSpPr>
-          <p:cNvPr id="120" name="Shape 120"/>
+          <p:cNvPr id="120" name="William Fiset"/>
           <p:cNvSpPr/>
           <p:nvPr>
             <p:ph type="subTitle" sz="quarter" idx="1"/>
@@ -3931,42 +3856,6 @@
             <a:pPr/>
             <a:r>
               <a:t>William Fiset</a:t>
-            </a:r>
-          </a:p>
-        </p:txBody>
-      </p:sp>
-      <p:sp>
-        <p:nvSpPr>
-          <p:cNvPr id="121" name="Shape 121"/>
-          <p:cNvSpPr/>
-          <p:nvPr/>
-        </p:nvSpPr>
-        <p:spPr>
-          <a:xfrm>
-            <a:off x="5344219" y="5482794"/>
-            <a:ext cx="2316362" cy="622301"/>
-          </a:xfrm>
-          <a:prstGeom prst="rect">
-            <a:avLst/>
-          </a:prstGeom>
-          <a:ln w="12700">
-            <a:miter lim="400000"/>
-          </a:ln>
-          <a:extLst>
-            <a:ext uri="{C572A759-6A51-4108-AA02-DFA0A04FC94B}">
-              <ma14:wrappingTextBoxFlag xmlns:ma14="http://schemas.microsoft.com/office/mac/drawingml/2011/main" val="1"/>
-            </a:ext>
-          </a:extLst>
-        </p:spPr>
-        <p:txBody>
-          <a:bodyPr wrap="none" lIns="50800" tIns="50800" rIns="50800" bIns="50800" anchor="ctr">
-            <a:spAutoFit/>
-          </a:bodyPr>
-          <a:lstStyle/>
-          <a:p>
-            <a:pPr/>
-            <a:r>
-              <a:t>Part 1/2</a:t>
             </a:r>
           </a:p>
         </p:txBody>
@@ -3999,7 +3888,7 @@
       </p:grpSpPr>
       <p:sp>
         <p:nvSpPr>
-          <p:cNvPr id="241" name="Shape 241"/>
+          <p:cNvPr id="240" name="Static Array"/>
           <p:cNvSpPr/>
           <p:nvPr>
             <p:ph type="ctrTitle"/>
@@ -4027,7 +3916,7 @@
       </p:sp>
       <p:sp>
         <p:nvSpPr>
-          <p:cNvPr id="242" name="Shape 242"/>
+          <p:cNvPr id="241" name="Line"/>
           <p:cNvSpPr/>
           <p:nvPr/>
         </p:nvSpPr>
@@ -4064,7 +3953,7 @@
       </p:sp>
       <p:sp>
         <p:nvSpPr>
-          <p:cNvPr id="243" name="Shape 243"/>
+          <p:cNvPr id="242" name="Line"/>
           <p:cNvSpPr/>
           <p:nvPr/>
         </p:nvSpPr>
@@ -4101,7 +3990,7 @@
       </p:sp>
       <p:sp>
         <p:nvSpPr>
-          <p:cNvPr id="244" name="Shape 244"/>
+          <p:cNvPr id="243" name="Line"/>
           <p:cNvSpPr/>
           <p:nvPr/>
         </p:nvSpPr>
@@ -4138,7 +4027,7 @@
       </p:sp>
       <p:sp>
         <p:nvSpPr>
-          <p:cNvPr id="245" name="Shape 245"/>
+          <p:cNvPr id="244" name="Line"/>
           <p:cNvSpPr/>
           <p:nvPr/>
         </p:nvSpPr>
@@ -4175,7 +4064,7 @@
       </p:sp>
       <p:sp>
         <p:nvSpPr>
-          <p:cNvPr id="246" name="Shape 246"/>
+          <p:cNvPr id="245" name="Line"/>
           <p:cNvSpPr/>
           <p:nvPr/>
         </p:nvSpPr>
@@ -4212,7 +4101,7 @@
       </p:sp>
       <p:sp>
         <p:nvSpPr>
-          <p:cNvPr id="247" name="Shape 247"/>
+          <p:cNvPr id="246" name="Line"/>
           <p:cNvSpPr/>
           <p:nvPr/>
         </p:nvSpPr>
@@ -4249,7 +4138,7 @@
       </p:sp>
       <p:sp>
         <p:nvSpPr>
-          <p:cNvPr id="248" name="Shape 248"/>
+          <p:cNvPr id="247" name="Line"/>
           <p:cNvSpPr/>
           <p:nvPr/>
         </p:nvSpPr>
@@ -4286,7 +4175,7 @@
       </p:sp>
       <p:sp>
         <p:nvSpPr>
-          <p:cNvPr id="249" name="Shape 249"/>
+          <p:cNvPr id="248" name="Line"/>
           <p:cNvSpPr/>
           <p:nvPr/>
         </p:nvSpPr>
@@ -4323,7 +4212,7 @@
       </p:sp>
       <p:sp>
         <p:nvSpPr>
-          <p:cNvPr id="250" name="Shape 250"/>
+          <p:cNvPr id="249" name="Line"/>
           <p:cNvSpPr/>
           <p:nvPr/>
         </p:nvSpPr>
@@ -4360,7 +4249,7 @@
       </p:sp>
       <p:sp>
         <p:nvSpPr>
-          <p:cNvPr id="251" name="Shape 251"/>
+          <p:cNvPr id="250" name="Line"/>
           <p:cNvSpPr/>
           <p:nvPr/>
         </p:nvSpPr>
@@ -4397,7 +4286,7 @@
       </p:sp>
       <p:sp>
         <p:nvSpPr>
-          <p:cNvPr id="252" name="Shape 252"/>
+          <p:cNvPr id="251" name="Line"/>
           <p:cNvSpPr/>
           <p:nvPr/>
         </p:nvSpPr>
@@ -4434,7 +4323,7 @@
       </p:sp>
       <p:sp>
         <p:nvSpPr>
-          <p:cNvPr id="253" name="Shape 253"/>
+          <p:cNvPr id="252" name="Line"/>
           <p:cNvSpPr/>
           <p:nvPr/>
         </p:nvSpPr>
@@ -4471,7 +4360,7 @@
       </p:sp>
       <p:sp>
         <p:nvSpPr>
-          <p:cNvPr id="254" name="Shape 254"/>
+          <p:cNvPr id="253" name="Line"/>
           <p:cNvSpPr/>
           <p:nvPr/>
         </p:nvSpPr>
@@ -4508,7 +4397,7 @@
       </p:sp>
       <p:sp>
         <p:nvSpPr>
-          <p:cNvPr id="255" name="Shape 255"/>
+          <p:cNvPr id="254" name="Line"/>
           <p:cNvSpPr/>
           <p:nvPr/>
         </p:nvSpPr>
@@ -4545,7 +4434,7 @@
       </p:sp>
       <p:graphicFrame>
         <p:nvGraphicFramePr>
-          <p:cNvPr id="256" name="Table 256"/>
+          <p:cNvPr id="255" name="Table"/>
           <p:cNvGraphicFramePr/>
           <p:nvPr/>
         </p:nvGraphicFramePr>
@@ -4959,7 +4848,7 @@
       </p:graphicFrame>
       <p:graphicFrame>
         <p:nvGraphicFramePr>
-          <p:cNvPr id="257" name="Table 257"/>
+          <p:cNvPr id="256" name="Table"/>
           <p:cNvGraphicFramePr/>
           <p:nvPr/>
         </p:nvGraphicFramePr>
@@ -5373,7 +5262,7 @@
       </p:graphicFrame>
       <p:sp>
         <p:nvSpPr>
-          <p:cNvPr id="258" name="Shape 258"/>
+          <p:cNvPr id="257" name="A ="/>
           <p:cNvSpPr/>
           <p:nvPr/>
         </p:nvSpPr>
@@ -5413,7 +5302,7 @@
       </p:sp>
       <p:sp>
         <p:nvSpPr>
-          <p:cNvPr id="259" name="Shape 259"/>
+          <p:cNvPr id="258" name="Line"/>
           <p:cNvSpPr/>
           <p:nvPr/>
         </p:nvSpPr>
@@ -5450,7 +5339,7 @@
       </p:sp>
       <p:sp>
         <p:nvSpPr>
-          <p:cNvPr id="260" name="Shape 260"/>
+          <p:cNvPr id="259" name="Line"/>
           <p:cNvSpPr/>
           <p:nvPr/>
         </p:nvSpPr>
@@ -5487,7 +5376,7 @@
       </p:sp>
       <p:sp>
         <p:nvSpPr>
-          <p:cNvPr id="261" name="Shape 261"/>
+          <p:cNvPr id="260" name="Line"/>
           <p:cNvSpPr/>
           <p:nvPr/>
         </p:nvSpPr>
@@ -5524,7 +5413,7 @@
       </p:sp>
       <p:sp>
         <p:nvSpPr>
-          <p:cNvPr id="262" name="Shape 262"/>
+          <p:cNvPr id="261" name="Line"/>
           <p:cNvSpPr/>
           <p:nvPr/>
         </p:nvSpPr>
@@ -5561,7 +5450,7 @@
       </p:sp>
       <p:sp>
         <p:nvSpPr>
-          <p:cNvPr id="263" name="Shape 263"/>
+          <p:cNvPr id="262" name="Line"/>
           <p:cNvSpPr/>
           <p:nvPr/>
         </p:nvSpPr>
@@ -5598,7 +5487,7 @@
       </p:sp>
       <p:sp>
         <p:nvSpPr>
-          <p:cNvPr id="264" name="Shape 264"/>
+          <p:cNvPr id="263" name="Line"/>
           <p:cNvSpPr/>
           <p:nvPr/>
         </p:nvSpPr>
@@ -5635,7 +5524,7 @@
       </p:sp>
       <p:sp>
         <p:nvSpPr>
-          <p:cNvPr id="265" name="Shape 265"/>
+          <p:cNvPr id="264" name="Line"/>
           <p:cNvSpPr/>
           <p:nvPr/>
         </p:nvSpPr>
@@ -5672,7 +5561,7 @@
       </p:sp>
       <p:sp>
         <p:nvSpPr>
-          <p:cNvPr id="266" name="Shape 266"/>
+          <p:cNvPr id="265" name="Line"/>
           <p:cNvSpPr/>
           <p:nvPr/>
         </p:nvSpPr>
@@ -5709,7 +5598,7 @@
       </p:sp>
       <p:sp>
         <p:nvSpPr>
-          <p:cNvPr id="267" name="Shape 267"/>
+          <p:cNvPr id="266" name="Line"/>
           <p:cNvSpPr/>
           <p:nvPr/>
         </p:nvSpPr>
@@ -5746,7 +5635,7 @@
       </p:sp>
       <p:sp>
         <p:nvSpPr>
-          <p:cNvPr id="268" name="Shape 268"/>
+          <p:cNvPr id="267" name="A[0] = 44"/>
           <p:cNvSpPr/>
           <p:nvPr/>
         </p:nvSpPr>
@@ -5782,7 +5671,7 @@
       </p:sp>
       <p:sp>
         <p:nvSpPr>
-          <p:cNvPr id="269" name="Shape 269"/>
+          <p:cNvPr id="268" name="A[1] = 12"/>
           <p:cNvSpPr/>
           <p:nvPr/>
         </p:nvSpPr>
@@ -5818,7 +5707,7 @@
       </p:sp>
       <p:sp>
         <p:nvSpPr>
-          <p:cNvPr id="270" name="Shape 270"/>
+          <p:cNvPr id="269" name="A[4] = 6"/>
           <p:cNvSpPr/>
           <p:nvPr/>
         </p:nvSpPr>
@@ -5854,7 +5743,7 @@
       </p:sp>
       <p:sp>
         <p:nvSpPr>
-          <p:cNvPr id="271" name="Shape 271"/>
+          <p:cNvPr id="270" name="A[7] = 9"/>
           <p:cNvSpPr/>
           <p:nvPr/>
         </p:nvSpPr>
@@ -5890,7 +5779,7 @@
       </p:sp>
       <p:sp>
         <p:nvSpPr>
-          <p:cNvPr id="272" name="Shape 272"/>
+          <p:cNvPr id="271" name="A[0] := -1"/>
           <p:cNvSpPr/>
           <p:nvPr/>
         </p:nvSpPr>
@@ -5926,7 +5815,7 @@
       </p:sp>
       <p:sp>
         <p:nvSpPr>
-          <p:cNvPr id="273" name="Shape 273"/>
+          <p:cNvPr id="272" name="A[5] := 18"/>
           <p:cNvSpPr/>
           <p:nvPr/>
         </p:nvSpPr>
@@ -5962,7 +5851,7 @@
       </p:sp>
       <p:sp>
         <p:nvSpPr>
-          <p:cNvPr id="274" name="Shape 274"/>
+          <p:cNvPr id="273" name="A[9] =&gt; index out of bounds!"/>
           <p:cNvSpPr/>
           <p:nvPr/>
         </p:nvSpPr>
@@ -6036,7 +5925,7 @@
       </p:grpSpPr>
       <p:sp>
         <p:nvSpPr>
-          <p:cNvPr id="276" name="Shape 276"/>
+          <p:cNvPr id="275" name="Static Array"/>
           <p:cNvSpPr/>
           <p:nvPr>
             <p:ph type="ctrTitle"/>
@@ -6064,7 +5953,7 @@
       </p:sp>
       <p:sp>
         <p:nvSpPr>
-          <p:cNvPr id="277" name="Shape 277"/>
+          <p:cNvPr id="276" name="Line"/>
           <p:cNvSpPr/>
           <p:nvPr/>
         </p:nvSpPr>
@@ -6101,7 +5990,7 @@
       </p:sp>
       <p:sp>
         <p:nvSpPr>
-          <p:cNvPr id="278" name="Shape 278"/>
+          <p:cNvPr id="277" name="Line"/>
           <p:cNvSpPr/>
           <p:nvPr/>
         </p:nvSpPr>
@@ -6138,7 +6027,7 @@
       </p:sp>
       <p:sp>
         <p:nvSpPr>
-          <p:cNvPr id="279" name="Shape 279"/>
+          <p:cNvPr id="278" name="Line"/>
           <p:cNvSpPr/>
           <p:nvPr/>
         </p:nvSpPr>
@@ -6175,7 +6064,7 @@
       </p:sp>
       <p:sp>
         <p:nvSpPr>
-          <p:cNvPr id="280" name="Shape 280"/>
+          <p:cNvPr id="279" name="Line"/>
           <p:cNvSpPr/>
           <p:nvPr/>
         </p:nvSpPr>
@@ -6212,7 +6101,7 @@
       </p:sp>
       <p:sp>
         <p:nvSpPr>
-          <p:cNvPr id="281" name="Shape 281"/>
+          <p:cNvPr id="280" name="Line"/>
           <p:cNvSpPr/>
           <p:nvPr/>
         </p:nvSpPr>
@@ -6249,7 +6138,7 @@
       </p:sp>
       <p:sp>
         <p:nvSpPr>
-          <p:cNvPr id="282" name="Shape 282"/>
+          <p:cNvPr id="281" name="Line"/>
           <p:cNvSpPr/>
           <p:nvPr/>
         </p:nvSpPr>
@@ -6286,7 +6175,7 @@
       </p:sp>
       <p:sp>
         <p:nvSpPr>
-          <p:cNvPr id="283" name="Shape 283"/>
+          <p:cNvPr id="282" name="Line"/>
           <p:cNvSpPr/>
           <p:nvPr/>
         </p:nvSpPr>
@@ -6323,7 +6212,7 @@
       </p:sp>
       <p:sp>
         <p:nvSpPr>
-          <p:cNvPr id="284" name="Shape 284"/>
+          <p:cNvPr id="283" name="Line"/>
           <p:cNvSpPr/>
           <p:nvPr/>
         </p:nvSpPr>
@@ -6360,7 +6249,7 @@
       </p:sp>
       <p:sp>
         <p:nvSpPr>
-          <p:cNvPr id="285" name="Shape 285"/>
+          <p:cNvPr id="284" name="Line"/>
           <p:cNvSpPr/>
           <p:nvPr/>
         </p:nvSpPr>
@@ -6397,7 +6286,7 @@
       </p:sp>
       <p:sp>
         <p:nvSpPr>
-          <p:cNvPr id="286" name="Shape 286"/>
+          <p:cNvPr id="285" name="Line"/>
           <p:cNvSpPr/>
           <p:nvPr/>
         </p:nvSpPr>
@@ -6434,7 +6323,7 @@
       </p:sp>
       <p:sp>
         <p:nvSpPr>
-          <p:cNvPr id="287" name="Shape 287"/>
+          <p:cNvPr id="286" name="Line"/>
           <p:cNvSpPr/>
           <p:nvPr/>
         </p:nvSpPr>
@@ -6471,7 +6360,7 @@
       </p:sp>
       <p:sp>
         <p:nvSpPr>
-          <p:cNvPr id="288" name="Shape 288"/>
+          <p:cNvPr id="287" name="Line"/>
           <p:cNvSpPr/>
           <p:nvPr/>
         </p:nvSpPr>
@@ -6508,7 +6397,7 @@
       </p:sp>
       <p:sp>
         <p:nvSpPr>
-          <p:cNvPr id="289" name="Shape 289"/>
+          <p:cNvPr id="288" name="A[0] := -1"/>
           <p:cNvSpPr/>
           <p:nvPr/>
         </p:nvSpPr>
@@ -6544,7 +6433,7 @@
       </p:sp>
       <p:sp>
         <p:nvSpPr>
-          <p:cNvPr id="290" name="Shape 290"/>
+          <p:cNvPr id="289" name="A[5] := 18"/>
           <p:cNvSpPr/>
           <p:nvPr/>
         </p:nvSpPr>
@@ -6580,7 +6469,7 @@
       </p:sp>
       <p:sp>
         <p:nvSpPr>
-          <p:cNvPr id="291" name="Shape 291"/>
+          <p:cNvPr id="290" name="A[6] := 25"/>
           <p:cNvSpPr/>
           <p:nvPr/>
         </p:nvSpPr>
@@ -6616,7 +6505,7 @@
       </p:sp>
       <p:graphicFrame>
         <p:nvGraphicFramePr>
-          <p:cNvPr id="292" name="Table 292"/>
+          <p:cNvPr id="291" name="Table"/>
           <p:cNvGraphicFramePr/>
           <p:nvPr/>
         </p:nvGraphicFramePr>
@@ -7030,7 +6919,7 @@
       </p:graphicFrame>
       <p:graphicFrame>
         <p:nvGraphicFramePr>
-          <p:cNvPr id="293" name="Table 293"/>
+          <p:cNvPr id="292" name="Table"/>
           <p:cNvGraphicFramePr/>
           <p:nvPr/>
         </p:nvGraphicFramePr>
@@ -7444,7 +7333,7 @@
       </p:graphicFrame>
       <p:sp>
         <p:nvSpPr>
-          <p:cNvPr id="294" name="Shape 294"/>
+          <p:cNvPr id="293" name="A ="/>
           <p:cNvSpPr/>
           <p:nvPr/>
         </p:nvSpPr>
@@ -7484,7 +7373,7 @@
       </p:sp>
       <p:sp>
         <p:nvSpPr>
-          <p:cNvPr id="295" name="Shape 295"/>
+          <p:cNvPr id="294" name="Line"/>
           <p:cNvSpPr/>
           <p:nvPr/>
         </p:nvSpPr>
@@ -7521,7 +7410,7 @@
       </p:sp>
       <p:sp>
         <p:nvSpPr>
-          <p:cNvPr id="296" name="Shape 296"/>
+          <p:cNvPr id="295" name="Line"/>
           <p:cNvSpPr/>
           <p:nvPr/>
         </p:nvSpPr>
@@ -7558,7 +7447,7 @@
       </p:sp>
       <p:sp>
         <p:nvSpPr>
-          <p:cNvPr id="297" name="Shape 297"/>
+          <p:cNvPr id="296" name="Line"/>
           <p:cNvSpPr/>
           <p:nvPr/>
         </p:nvSpPr>
@@ -7595,7 +7484,7 @@
       </p:sp>
       <p:sp>
         <p:nvSpPr>
-          <p:cNvPr id="298" name="Shape 298"/>
+          <p:cNvPr id="297" name="Line"/>
           <p:cNvSpPr/>
           <p:nvPr/>
         </p:nvSpPr>
@@ -7632,7 +7521,7 @@
       </p:sp>
       <p:sp>
         <p:nvSpPr>
-          <p:cNvPr id="299" name="Shape 299"/>
+          <p:cNvPr id="298" name="Line"/>
           <p:cNvSpPr/>
           <p:nvPr/>
         </p:nvSpPr>
@@ -7669,7 +7558,7 @@
       </p:sp>
       <p:sp>
         <p:nvSpPr>
-          <p:cNvPr id="300" name="Shape 300"/>
+          <p:cNvPr id="299" name="Line"/>
           <p:cNvSpPr/>
           <p:nvPr/>
         </p:nvSpPr>
@@ -7706,7 +7595,7 @@
       </p:sp>
       <p:sp>
         <p:nvSpPr>
-          <p:cNvPr id="301" name="Shape 301"/>
+          <p:cNvPr id="300" name="Line"/>
           <p:cNvSpPr/>
           <p:nvPr/>
         </p:nvSpPr>
@@ -7743,7 +7632,7 @@
       </p:sp>
       <p:sp>
         <p:nvSpPr>
-          <p:cNvPr id="302" name="Shape 302"/>
+          <p:cNvPr id="301" name="Line"/>
           <p:cNvSpPr/>
           <p:nvPr/>
         </p:nvSpPr>
@@ -7780,7 +7669,7 @@
       </p:sp>
       <p:sp>
         <p:nvSpPr>
-          <p:cNvPr id="303" name="Shape 303"/>
+          <p:cNvPr id="302" name="Line"/>
           <p:cNvSpPr/>
           <p:nvPr/>
         </p:nvSpPr>
@@ -7817,7 +7706,7 @@
       </p:sp>
       <p:sp>
         <p:nvSpPr>
-          <p:cNvPr id="304" name="Shape 304"/>
+          <p:cNvPr id="303" name="Line"/>
           <p:cNvSpPr/>
           <p:nvPr/>
         </p:nvSpPr>
@@ -7854,7 +7743,7 @@
       </p:sp>
       <p:sp>
         <p:nvSpPr>
-          <p:cNvPr id="305" name="Shape 305"/>
+          <p:cNvPr id="304" name="A[0] = 44"/>
           <p:cNvSpPr/>
           <p:nvPr/>
         </p:nvSpPr>
@@ -7890,7 +7779,7 @@
       </p:sp>
       <p:sp>
         <p:nvSpPr>
-          <p:cNvPr id="306" name="Shape 306"/>
+          <p:cNvPr id="305" name="A[1] = 12"/>
           <p:cNvSpPr/>
           <p:nvPr/>
         </p:nvSpPr>
@@ -7926,7 +7815,7 @@
       </p:sp>
       <p:sp>
         <p:nvSpPr>
-          <p:cNvPr id="307" name="Shape 307"/>
+          <p:cNvPr id="306" name="A[4] = 6"/>
           <p:cNvSpPr/>
           <p:nvPr/>
         </p:nvSpPr>
@@ -7962,7 +7851,7 @@
       </p:sp>
       <p:sp>
         <p:nvSpPr>
-          <p:cNvPr id="308" name="Shape 308"/>
+          <p:cNvPr id="307" name="A[7] = 9"/>
           <p:cNvSpPr/>
           <p:nvPr/>
         </p:nvSpPr>
@@ -7998,7 +7887,7 @@
       </p:sp>
       <p:sp>
         <p:nvSpPr>
-          <p:cNvPr id="309" name="Shape 309"/>
+          <p:cNvPr id="308" name="A[9] =&gt; index out of bounds!"/>
           <p:cNvSpPr/>
           <p:nvPr/>
         </p:nvSpPr>
@@ -8072,7 +7961,7 @@
       </p:grpSpPr>
       <p:sp>
         <p:nvSpPr>
-          <p:cNvPr id="311" name="Shape 311"/>
+          <p:cNvPr id="310" name="Operations on Dynamic Arrays"/>
           <p:cNvSpPr/>
           <p:nvPr>
             <p:ph type="title"/>
@@ -8131,7 +8020,7 @@
       </p:grpSpPr>
       <p:sp>
         <p:nvSpPr>
-          <p:cNvPr id="313" name="Shape 313"/>
+          <p:cNvPr id="312" name="Dynamic Array"/>
           <p:cNvSpPr/>
           <p:nvPr>
             <p:ph type="ctrTitle"/>
@@ -8159,7 +8048,7 @@
       </p:sp>
       <p:sp>
         <p:nvSpPr>
-          <p:cNvPr id="314" name="Shape 314"/>
+          <p:cNvPr id="313" name="The dynamic array can grow and shrink in size."/>
           <p:cNvSpPr/>
           <p:nvPr/>
         </p:nvSpPr>
@@ -8225,7 +8114,7 @@
       </p:sp>
       <p:graphicFrame>
         <p:nvGraphicFramePr>
-          <p:cNvPr id="315" name="Table 315"/>
+          <p:cNvPr id="314" name="Table"/>
           <p:cNvGraphicFramePr/>
           <p:nvPr/>
         </p:nvGraphicFramePr>
@@ -8345,7 +8234,7 @@
       </p:graphicFrame>
       <p:sp>
         <p:nvSpPr>
-          <p:cNvPr id="316" name="Shape 316"/>
+          <p:cNvPr id="315" name="A ="/>
           <p:cNvSpPr/>
           <p:nvPr/>
         </p:nvSpPr>
@@ -8385,7 +8274,7 @@
       </p:sp>
       <p:sp>
         <p:nvSpPr>
-          <p:cNvPr id="317" name="Shape 317"/>
+          <p:cNvPr id="316" name="A.add(-7)"/>
           <p:cNvSpPr/>
           <p:nvPr/>
         </p:nvSpPr>
@@ -8421,7 +8310,7 @@
       </p:sp>
       <p:graphicFrame>
         <p:nvGraphicFramePr>
-          <p:cNvPr id="318" name="Table 318"/>
+          <p:cNvPr id="317" name="Table"/>
           <p:cNvGraphicFramePr/>
           <p:nvPr/>
         </p:nvGraphicFramePr>
@@ -8583,7 +8472,7 @@
       </p:graphicFrame>
       <p:sp>
         <p:nvSpPr>
-          <p:cNvPr id="319" name="Shape 319"/>
+          <p:cNvPr id="318" name="A ="/>
           <p:cNvSpPr/>
           <p:nvPr/>
         </p:nvSpPr>
@@ -8623,7 +8512,7 @@
       </p:sp>
       <p:sp>
         <p:nvSpPr>
-          <p:cNvPr id="320" name="Shape 320"/>
+          <p:cNvPr id="319" name="A.add(34)"/>
           <p:cNvSpPr/>
           <p:nvPr/>
         </p:nvSpPr>
@@ -8659,7 +8548,7 @@
       </p:sp>
       <p:graphicFrame>
         <p:nvGraphicFramePr>
-          <p:cNvPr id="321" name="Table 321"/>
+          <p:cNvPr id="320" name="Table"/>
           <p:cNvGraphicFramePr/>
           <p:nvPr/>
         </p:nvGraphicFramePr>
@@ -8863,7 +8752,7 @@
       </p:graphicFrame>
       <p:sp>
         <p:nvSpPr>
-          <p:cNvPr id="322" name="Shape 322"/>
+          <p:cNvPr id="321" name="A ="/>
           <p:cNvSpPr/>
           <p:nvPr/>
         </p:nvSpPr>
@@ -8903,7 +8792,7 @@
       </p:sp>
       <p:sp>
         <p:nvSpPr>
-          <p:cNvPr id="323" name="Shape 323"/>
+          <p:cNvPr id="322" name="A.remove(4)"/>
           <p:cNvSpPr/>
           <p:nvPr/>
         </p:nvSpPr>
@@ -8939,7 +8828,7 @@
       </p:sp>
       <p:graphicFrame>
         <p:nvGraphicFramePr>
-          <p:cNvPr id="324" name="Table 324"/>
+          <p:cNvPr id="323" name="Table"/>
           <p:cNvGraphicFramePr/>
           <p:nvPr/>
         </p:nvGraphicFramePr>
@@ -9101,7 +8990,7 @@
       </p:graphicFrame>
       <p:sp>
         <p:nvSpPr>
-          <p:cNvPr id="325" name="Shape 325"/>
+          <p:cNvPr id="324" name="A ="/>
           <p:cNvSpPr/>
           <p:nvPr/>
         </p:nvSpPr>
@@ -9167,7 +9056,7 @@
       </p:grpSpPr>
       <p:sp>
         <p:nvSpPr>
-          <p:cNvPr id="329" name="Shape 329"/>
+          <p:cNvPr id="328" name="Dynamic Array"/>
           <p:cNvSpPr/>
           <p:nvPr>
             <p:ph type="ctrTitle"/>
@@ -9195,7 +9084,7 @@
       </p:sp>
       <p:sp>
         <p:nvSpPr>
-          <p:cNvPr id="330" name="Shape 330"/>
+          <p:cNvPr id="329" name="Q: How can we implement a dynamic array?"/>
           <p:cNvSpPr/>
           <p:nvPr/>
         </p:nvSpPr>
@@ -9237,7 +9126,7 @@
       </p:sp>
       <p:sp>
         <p:nvSpPr>
-          <p:cNvPr id="331" name="Shape 331"/>
+          <p:cNvPr id="330" name="A: One way is to use a static array!"/>
           <p:cNvSpPr/>
           <p:nvPr/>
         </p:nvSpPr>
@@ -9279,7 +9168,7 @@
       </p:sp>
       <p:sp>
         <p:nvSpPr>
-          <p:cNvPr id="332" name="Shape 332"/>
+          <p:cNvPr id="331" name="Create a static array with an initial capacity.…"/>
           <p:cNvSpPr/>
           <p:nvPr/>
         </p:nvSpPr>
@@ -9375,7 +9264,7 @@
       </p:grpSpPr>
       <p:sp>
         <p:nvSpPr>
-          <p:cNvPr id="336" name="Shape 336"/>
+          <p:cNvPr id="335" name="Dynamic Array"/>
           <p:cNvSpPr/>
           <p:nvPr>
             <p:ph type="ctrTitle"/>
@@ -9403,7 +9292,7 @@
       </p:sp>
       <p:graphicFrame>
         <p:nvGraphicFramePr>
-          <p:cNvPr id="337" name="Table 337"/>
+          <p:cNvPr id="336" name="Table"/>
           <p:cNvGraphicFramePr/>
           <p:nvPr/>
         </p:nvGraphicFramePr>
@@ -9515,7 +9404,7 @@
       </p:graphicFrame>
       <p:graphicFrame>
         <p:nvGraphicFramePr>
-          <p:cNvPr id="338" name="Table 338"/>
+          <p:cNvPr id="337" name="Table"/>
           <p:cNvGraphicFramePr/>
           <p:nvPr/>
         </p:nvGraphicFramePr>
@@ -9635,7 +9524,7 @@
       </p:graphicFrame>
       <p:graphicFrame>
         <p:nvGraphicFramePr>
-          <p:cNvPr id="339" name="Table 339"/>
+          <p:cNvPr id="338" name="Table"/>
           <p:cNvGraphicFramePr/>
           <p:nvPr/>
         </p:nvGraphicFramePr>
@@ -9755,7 +9644,7 @@
       </p:graphicFrame>
       <p:sp>
         <p:nvSpPr>
-          <p:cNvPr id="340" name="Shape 340"/>
+          <p:cNvPr id="339" name="Suppose we create a dynamic array with an initial capacity of two and then begin adding elements to it."/>
           <p:cNvSpPr/>
           <p:nvPr/>
         </p:nvSpPr>
@@ -9795,7 +9684,7 @@
       </p:sp>
       <p:graphicFrame>
         <p:nvGraphicFramePr>
-          <p:cNvPr id="341" name="Table 341"/>
+          <p:cNvPr id="340" name="Table"/>
           <p:cNvGraphicFramePr/>
           <p:nvPr/>
         </p:nvGraphicFramePr>
@@ -9991,7 +9880,7 @@
       </p:graphicFrame>
       <p:graphicFrame>
         <p:nvGraphicFramePr>
-          <p:cNvPr id="342" name="Table 342"/>
+          <p:cNvPr id="341" name="Table"/>
           <p:cNvGraphicFramePr/>
           <p:nvPr/>
         </p:nvGraphicFramePr>
@@ -10187,7 +10076,7 @@
       </p:graphicFrame>
       <p:graphicFrame>
         <p:nvGraphicFramePr>
-          <p:cNvPr id="343" name="Table 343"/>
+          <p:cNvPr id="342" name="Table"/>
           <p:cNvGraphicFramePr/>
           <p:nvPr/>
         </p:nvGraphicFramePr>
@@ -10535,7 +10424,7 @@
       </p:graphicFrame>
       <p:graphicFrame>
         <p:nvGraphicFramePr>
-          <p:cNvPr id="344" name="Table 344"/>
+          <p:cNvPr id="343" name="Table"/>
           <p:cNvGraphicFramePr/>
           <p:nvPr/>
         </p:nvGraphicFramePr>
@@ -10920,7 +10809,7 @@
                                       <p:cBhvr>
                                         <p:cTn id="6" fill="hold"/>
                                         <p:tgtEl>
-                                          <p:spTgt spid="337"/>
+                                          <p:spTgt spid="336"/>
                                         </p:tgtEl>
                                         <p:attrNameLst>
                                           <p:attrName>style.visibility</p:attrName>
@@ -10964,7 +10853,7 @@
                                       <p:cBhvr>
                                         <p:cTn id="10" fill="hold"/>
                                         <p:tgtEl>
-                                          <p:spTgt spid="338"/>
+                                          <p:spTgt spid="337"/>
                                         </p:tgtEl>
                                         <p:attrNameLst>
                                           <p:attrName>style.visibility</p:attrName>
@@ -11008,7 +10897,7 @@
                                       <p:cBhvr>
                                         <p:cTn id="14" fill="hold"/>
                                         <p:tgtEl>
-                                          <p:spTgt spid="339"/>
+                                          <p:spTgt spid="338"/>
                                         </p:tgtEl>
                                         <p:attrNameLst>
                                           <p:attrName>style.visibility</p:attrName>
@@ -11052,7 +10941,7 @@
                                       <p:cBhvr>
                                         <p:cTn id="18" fill="hold"/>
                                         <p:tgtEl>
-                                          <p:spTgt spid="341"/>
+                                          <p:spTgt spid="340"/>
                                         </p:tgtEl>
                                         <p:attrNameLst>
                                           <p:attrName>style.visibility</p:attrName>
@@ -11096,7 +10985,7 @@
                                       <p:cBhvr>
                                         <p:cTn id="22" fill="hold"/>
                                         <p:tgtEl>
-                                          <p:spTgt spid="342"/>
+                                          <p:spTgt spid="341"/>
                                         </p:tgtEl>
                                         <p:attrNameLst>
                                           <p:attrName>style.visibility</p:attrName>
@@ -11140,7 +11029,7 @@
                                       <p:cBhvr>
                                         <p:cTn id="26" fill="hold"/>
                                         <p:tgtEl>
-                                          <p:spTgt spid="343"/>
+                                          <p:spTgt spid="342"/>
                                         </p:tgtEl>
                                         <p:attrNameLst>
                                           <p:attrName>style.visibility</p:attrName>
@@ -11184,7 +11073,7 @@
                                       <p:cBhvr>
                                         <p:cTn id="30" fill="hold"/>
                                         <p:tgtEl>
-                                          <p:spTgt spid="344"/>
+                                          <p:spTgt spid="343"/>
                                         </p:tgtEl>
                                         <p:attrNameLst>
                                           <p:attrName>style.visibility</p:attrName>
@@ -11225,526 +11114,15 @@
       </p:par>
     </p:tnLst>
     <p:bldLst>
-      <p:bldP build="whole" bldLvl="1" animBg="1" rev="0" advAuto="0" spid="337" grpId="1"/>
-      <p:bldP build="whole" bldLvl="1" animBg="1" rev="0" advAuto="0" spid="342" grpId="5"/>
-      <p:bldP build="whole" bldLvl="1" animBg="1" rev="0" advAuto="0" spid="338" grpId="2"/>
-      <p:bldP build="whole" bldLvl="1" animBg="1" rev="0" advAuto="0" spid="339" grpId="3"/>
-      <p:bldP build="whole" bldLvl="1" animBg="1" rev="0" advAuto="0" spid="344" grpId="7"/>
-      <p:bldP build="whole" bldLvl="1" animBg="1" rev="0" advAuto="0" spid="341" grpId="4"/>
-      <p:bldP build="whole" bldLvl="1" animBg="1" rev="0" advAuto="0" spid="343" grpId="6"/>
+      <p:bldP build="whole" bldLvl="1" animBg="1" rev="0" advAuto="0" spid="342" grpId="6"/>
+      <p:bldP build="whole" bldLvl="1" animBg="1" rev="0" advAuto="0" spid="338" grpId="3"/>
+      <p:bldP build="whole" bldLvl="1" animBg="1" rev="0" advAuto="0" spid="336" grpId="1"/>
+      <p:bldP build="whole" bldLvl="1" animBg="1" rev="0" advAuto="0" spid="341" grpId="5"/>
+      <p:bldP build="whole" bldLvl="1" animBg="1" rev="0" advAuto="0" spid="337" grpId="2"/>
+      <p:bldP build="whole" bldLvl="1" animBg="1" rev="0" advAuto="0" spid="340" grpId="4"/>
+      <p:bldP build="whole" bldLvl="1" animBg="1" rev="0" advAuto="0" spid="343" grpId="7"/>
     </p:bldLst>
   </p:timing>
-</p:sld>
-</file>
-
-<file path=ppt/slides/slide16.xml><?xml version="1.0" encoding="utf-8"?>
-<p:sld xmlns:a="http://schemas.openxmlformats.org/drawingml/2006/main" xmlns:r="http://schemas.openxmlformats.org/officeDocument/2006/relationships" xmlns:p="http://schemas.openxmlformats.org/presentationml/2006/main" showMasterSp="1" showMasterPhAnim="1">
-  <p:cSld>
-    <p:spTree>
-      <p:nvGrpSpPr>
-        <p:cNvPr id="1" name=""/>
-        <p:cNvGrpSpPr/>
-        <p:nvPr/>
-      </p:nvGrpSpPr>
-      <p:grpSpPr>
-        <a:xfrm>
-          <a:off x="0" y="0"/>
-          <a:ext cx="0" cy="0"/>
-          <a:chOff x="0" y="0"/>
-          <a:chExt cx="0" cy="0"/>
-        </a:xfrm>
-      </p:grpSpPr>
-      <p:sp>
-        <p:nvSpPr>
-          <p:cNvPr id="348" name="Shape 348"/>
-          <p:cNvSpPr/>
-          <p:nvPr>
-            <p:ph type="ctrTitle"/>
-          </p:nvPr>
-        </p:nvSpPr>
-        <p:spPr>
-          <a:xfrm>
-            <a:off x="769853" y="1113424"/>
-            <a:ext cx="11735731" cy="3310655"/>
-          </a:xfrm>
-          <a:prstGeom prst="rect">
-            <a:avLst/>
-          </a:prstGeom>
-        </p:spPr>
-        <p:txBody>
-          <a:bodyPr anchor="ctr"/>
-          <a:lstStyle>
-            <a:lvl1pPr defTabSz="479044">
-              <a:defRPr b="1" sz="5576"/>
-            </a:lvl1pPr>
-          </a:lstStyle>
-          <a:p>
-            <a:pPr/>
-            <a:r>
-              <a:t>Implementation of a dynamic array in next video </a:t>
-            </a:r>
-          </a:p>
-        </p:txBody>
-      </p:sp>
-      <p:sp>
-        <p:nvSpPr>
-          <p:cNvPr id="349" name="Shape 349"/>
-          <p:cNvSpPr/>
-          <p:nvPr/>
-        </p:nvSpPr>
-        <p:spPr>
-          <a:xfrm>
-            <a:off x="1900485" y="4035163"/>
-            <a:ext cx="8647820" cy="2064989"/>
-          </a:xfrm>
-          <a:prstGeom prst="rect">
-            <a:avLst/>
-          </a:prstGeom>
-          <a:ln w="12700">
-            <a:miter lim="400000"/>
-          </a:ln>
-          <a:extLst>
-            <a:ext uri="{C572A759-6A51-4108-AA02-DFA0A04FC94B}">
-              <ma14:wrappingTextBoxFlag xmlns:ma14="http://schemas.microsoft.com/office/mac/drawingml/2011/main" val="1"/>
-            </a:ext>
-          </a:extLst>
-        </p:spPr>
-        <p:txBody>
-          <a:bodyPr lIns="50800" tIns="50800" rIns="50800" bIns="50800" anchor="ctr">
-            <a:normAutofit fontScale="100000" lnSpcReduction="0"/>
-          </a:bodyPr>
-          <a:lstStyle>
-            <a:lvl1pPr defTabSz="309625">
-              <a:defRPr sz="4240"/>
-            </a:lvl1pPr>
-          </a:lstStyle>
-          <a:p>
-            <a:pPr/>
-            <a:r>
-              <a:t>Implementation source code and tests can all be found at the following link:</a:t>
-            </a:r>
-          </a:p>
-        </p:txBody>
-      </p:sp>
-      <p:sp>
-        <p:nvSpPr>
-          <p:cNvPr id="350" name="Shape 350"/>
-          <p:cNvSpPr/>
-          <p:nvPr/>
-        </p:nvSpPr>
-        <p:spPr>
-          <a:xfrm>
-            <a:off x="779530" y="6818981"/>
-            <a:ext cx="11445740" cy="660401"/>
-          </a:xfrm>
-          <a:prstGeom prst="rect">
-            <a:avLst/>
-          </a:prstGeom>
-          <a:ln w="12700">
-            <a:miter lim="400000"/>
-          </a:ln>
-          <a:extLst>
-            <a:ext uri="{C572A759-6A51-4108-AA02-DFA0A04FC94B}">
-              <ma14:wrappingTextBoxFlag xmlns:ma14="http://schemas.microsoft.com/office/mac/drawingml/2011/main" val="1"/>
-            </a:ext>
-          </a:extLst>
-        </p:spPr>
-        <p:txBody>
-          <a:bodyPr wrap="none" lIns="50800" tIns="50800" rIns="50800" bIns="50800" anchor="ctr">
-            <a:spAutoFit/>
-          </a:bodyPr>
-          <a:lstStyle>
-            <a:lvl1pPr>
-              <a:defRPr b="1" sz="3800" u="sng">
-                <a:hlinkClick r:id="rId3" invalidUrl="" action="" tgtFrame="" tooltip="" history="1" highlightClick="0" endSnd="0"/>
-              </a:defRPr>
-            </a:lvl1pPr>
-          </a:lstStyle>
-          <a:p>
-            <a:pPr>
-              <a:defRPr u="none"/>
-            </a:pPr>
-            <a:r>
-              <a:rPr u="sng">
-                <a:hlinkClick r:id="rId3" invalidUrl="" action="" tgtFrame="" tooltip="" history="1" highlightClick="0" endSnd="0"/>
-              </a:rPr>
-              <a:t>github.com/williamfiset/data-structures</a:t>
-            </a:r>
-          </a:p>
-        </p:txBody>
-      </p:sp>
-    </p:spTree>
-  </p:cSld>
-  <p:clrMapOvr>
-    <a:masterClrMapping/>
-  </p:clrMapOvr>
-  <p:transition xmlns:p14="http://schemas.microsoft.com/office/powerpoint/2010/main" spd="med" advClick="1"/>
-</p:sld>
-</file>
-
-<file path=ppt/slides/slide17.xml><?xml version="1.0" encoding="utf-8"?>
-<p:sld xmlns:a="http://schemas.openxmlformats.org/drawingml/2006/main" xmlns:r="http://schemas.openxmlformats.org/officeDocument/2006/relationships" xmlns:p="http://schemas.openxmlformats.org/presentationml/2006/main" showMasterSp="1" showMasterPhAnim="1">
-  <p:cSld>
-    <p:spTree>
-      <p:nvGrpSpPr>
-        <p:cNvPr id="1" name=""/>
-        <p:cNvGrpSpPr/>
-        <p:nvPr/>
-      </p:nvGrpSpPr>
-      <p:grpSpPr>
-        <a:xfrm>
-          <a:off x="0" y="0"/>
-          <a:ext cx="0" cy="0"/>
-          <a:chOff x="0" y="0"/>
-          <a:chExt cx="0" cy="0"/>
-        </a:xfrm>
-      </p:grpSpPr>
-    </p:spTree>
-  </p:cSld>
-  <p:clrMapOvr>
-    <a:masterClrMapping/>
-  </p:clrMapOvr>
-  <p:transition xmlns:p14="http://schemas.microsoft.com/office/powerpoint/2010/main" spd="med" advClick="1"/>
-</p:sld>
-</file>
-
-<file path=ppt/slides/slide18.xml><?xml version="1.0" encoding="utf-8"?>
-<p:sld xmlns:a="http://schemas.openxmlformats.org/drawingml/2006/main" xmlns:r="http://schemas.openxmlformats.org/officeDocument/2006/relationships" xmlns:p="http://schemas.openxmlformats.org/presentationml/2006/main" showMasterSp="1" showMasterPhAnim="1">
-  <p:cSld>
-    <p:spTree>
-      <p:nvGrpSpPr>
-        <p:cNvPr id="1" name=""/>
-        <p:cNvGrpSpPr/>
-        <p:nvPr/>
-      </p:nvGrpSpPr>
-      <p:grpSpPr>
-        <a:xfrm>
-          <a:off x="0" y="0"/>
-          <a:ext cx="0" cy="0"/>
-          <a:chOff x="0" y="0"/>
-          <a:chExt cx="0" cy="0"/>
-        </a:xfrm>
-      </p:grpSpPr>
-      <p:sp>
-        <p:nvSpPr>
-          <p:cNvPr id="355" name="Shape 355"/>
-          <p:cNvSpPr/>
-          <p:nvPr>
-            <p:ph type="title"/>
-          </p:nvPr>
-        </p:nvSpPr>
-        <p:spPr>
-          <a:xfrm>
-            <a:off x="-824453" y="791778"/>
-            <a:ext cx="14100187" cy="4449089"/>
-          </a:xfrm>
-          <a:prstGeom prst="rect">
-            <a:avLst/>
-          </a:prstGeom>
-        </p:spPr>
-        <p:txBody>
-          <a:bodyPr/>
-          <a:lstStyle/>
-          <a:p>
-            <a:pPr>
-              <a:defRPr b="1" sz="10000"/>
-            </a:pPr>
-            <a:r>
-              <a:t>Dynamic Array</a:t>
-            </a:r>
-            <a:r>
-              <a:t> </a:t>
-            </a:r>
-          </a:p>
-          <a:p>
-            <a:pPr>
-              <a:defRPr b="1" sz="10000"/>
-            </a:pPr>
-            <a:r>
-              <a:t>Source Code</a:t>
-            </a:r>
-          </a:p>
-        </p:txBody>
-      </p:sp>
-      <p:sp>
-        <p:nvSpPr>
-          <p:cNvPr id="356" name="Shape 356"/>
-          <p:cNvSpPr/>
-          <p:nvPr/>
-        </p:nvSpPr>
-        <p:spPr>
-          <a:xfrm>
-            <a:off x="4009984" y="6686389"/>
-            <a:ext cx="4984832" cy="825501"/>
-          </a:xfrm>
-          <a:prstGeom prst="rect">
-            <a:avLst/>
-          </a:prstGeom>
-          <a:ln w="12700">
-            <a:miter lim="400000"/>
-          </a:ln>
-          <a:extLst>
-            <a:ext uri="{C572A759-6A51-4108-AA02-DFA0A04FC94B}">
-              <ma14:wrappingTextBoxFlag xmlns:ma14="http://schemas.microsoft.com/office/mac/drawingml/2011/main" val="1"/>
-            </a:ext>
-          </a:extLst>
-        </p:spPr>
-        <p:txBody>
-          <a:bodyPr wrap="none" lIns="50800" tIns="50800" rIns="50800" bIns="50800" anchor="ctr">
-            <a:spAutoFit/>
-          </a:bodyPr>
-          <a:lstStyle>
-            <a:lvl1pPr>
-              <a:defRPr sz="4900"/>
-            </a:lvl1pPr>
-          </a:lstStyle>
-          <a:p>
-            <a:pPr/>
-            <a:r>
-              <a:t>William Fiset</a:t>
-            </a:r>
-          </a:p>
-        </p:txBody>
-      </p:sp>
-      <p:sp>
-        <p:nvSpPr>
-          <p:cNvPr id="357" name="Shape 357"/>
-          <p:cNvSpPr/>
-          <p:nvPr/>
-        </p:nvSpPr>
-        <p:spPr>
-          <a:xfrm>
-            <a:off x="5344219" y="5364560"/>
-            <a:ext cx="2316362" cy="622301"/>
-          </a:xfrm>
-          <a:prstGeom prst="rect">
-            <a:avLst/>
-          </a:prstGeom>
-          <a:ln w="12700">
-            <a:miter lim="400000"/>
-          </a:ln>
-          <a:extLst>
-            <a:ext uri="{C572A759-6A51-4108-AA02-DFA0A04FC94B}">
-              <ma14:wrappingTextBoxFlag xmlns:ma14="http://schemas.microsoft.com/office/mac/drawingml/2011/main" val="1"/>
-            </a:ext>
-          </a:extLst>
-        </p:spPr>
-        <p:txBody>
-          <a:bodyPr wrap="none" lIns="50800" tIns="50800" rIns="50800" bIns="50800" anchor="ctr">
-            <a:spAutoFit/>
-          </a:bodyPr>
-          <a:lstStyle>
-            <a:lvl1pPr>
-              <a:defRPr b="1"/>
-            </a:lvl1pPr>
-          </a:lstStyle>
-          <a:p>
-            <a:pPr/>
-            <a:r>
-              <a:t>Part 2/2</a:t>
-            </a:r>
-          </a:p>
-        </p:txBody>
-      </p:sp>
-    </p:spTree>
-  </p:cSld>
-  <p:clrMapOvr>
-    <a:masterClrMapping/>
-  </p:clrMapOvr>
-  <p:transition xmlns:p14="http://schemas.microsoft.com/office/powerpoint/2010/main" spd="med" advClick="1"/>
-</p:sld>
-</file>
-
-<file path=ppt/slides/slide19.xml><?xml version="1.0" encoding="utf-8"?>
-<p:sld xmlns:a="http://schemas.openxmlformats.org/drawingml/2006/main" xmlns:r="http://schemas.openxmlformats.org/officeDocument/2006/relationships" xmlns:p="http://schemas.openxmlformats.org/presentationml/2006/main" showMasterSp="1" showMasterPhAnim="1">
-  <p:cSld>
-    <p:spTree>
-      <p:nvGrpSpPr>
-        <p:cNvPr id="1" name=""/>
-        <p:cNvGrpSpPr/>
-        <p:nvPr/>
-      </p:nvGrpSpPr>
-      <p:grpSpPr>
-        <a:xfrm>
-          <a:off x="0" y="0"/>
-          <a:ext cx="0" cy="0"/>
-          <a:chOff x="0" y="0"/>
-          <a:chExt cx="0" cy="0"/>
-        </a:xfrm>
-      </p:grpSpPr>
-      <p:sp>
-        <p:nvSpPr>
-          <p:cNvPr id="359" name="Shape 359"/>
-          <p:cNvSpPr/>
-          <p:nvPr>
-            <p:ph type="title"/>
-          </p:nvPr>
-        </p:nvSpPr>
-        <p:spPr>
-          <a:xfrm>
-            <a:off x="-858320" y="419245"/>
-            <a:ext cx="14100187" cy="2169240"/>
-          </a:xfrm>
-          <a:prstGeom prst="rect">
-            <a:avLst/>
-          </a:prstGeom>
-        </p:spPr>
-        <p:txBody>
-          <a:bodyPr/>
-          <a:lstStyle>
-            <a:lvl1pPr>
-              <a:defRPr b="1" sz="9000"/>
-            </a:lvl1pPr>
-          </a:lstStyle>
-          <a:p>
-            <a:pPr/>
-            <a:r>
-              <a:t>Source Code Link</a:t>
-            </a:r>
-          </a:p>
-        </p:txBody>
-      </p:sp>
-      <p:sp>
-        <p:nvSpPr>
-          <p:cNvPr id="360" name="Shape 360"/>
-          <p:cNvSpPr/>
-          <p:nvPr/>
-        </p:nvSpPr>
-        <p:spPr>
-          <a:xfrm>
-            <a:off x="562111" y="7268633"/>
-            <a:ext cx="11880578" cy="1143001"/>
-          </a:xfrm>
-          <a:prstGeom prst="rect">
-            <a:avLst/>
-          </a:prstGeom>
-          <a:ln w="12700">
-            <a:miter lim="400000"/>
-          </a:ln>
-          <a:extLst>
-            <a:ext uri="{C572A759-6A51-4108-AA02-DFA0A04FC94B}">
-              <ma14:wrappingTextBoxFlag xmlns:ma14="http://schemas.microsoft.com/office/mac/drawingml/2011/main" val="1"/>
-            </a:ext>
-          </a:extLst>
-        </p:spPr>
-        <p:txBody>
-          <a:bodyPr lIns="50800" tIns="50800" rIns="50800" bIns="50800" anchor="ctr">
-            <a:spAutoFit/>
-          </a:bodyPr>
-          <a:lstStyle/>
-          <a:p>
-            <a:pPr/>
-            <a:r>
-              <a:t>NOTE: Make sure you have understood part </a:t>
-            </a:r>
-            <a:r>
-              <a:t>1</a:t>
-            </a:r>
-            <a:r>
-              <a:t> from the </a:t>
-            </a:r>
-            <a:r>
-              <a:t>Array</a:t>
-            </a:r>
-            <a:r>
-              <a:t> series before continuing! </a:t>
-            </a:r>
-          </a:p>
-        </p:txBody>
-      </p:sp>
-      <p:sp>
-        <p:nvSpPr>
-          <p:cNvPr id="361" name="Shape 361"/>
-          <p:cNvSpPr/>
-          <p:nvPr/>
-        </p:nvSpPr>
-        <p:spPr>
-          <a:xfrm>
-            <a:off x="1900485" y="2827842"/>
-            <a:ext cx="8647820" cy="2064989"/>
-          </a:xfrm>
-          <a:prstGeom prst="rect">
-            <a:avLst/>
-          </a:prstGeom>
-          <a:ln w="12700">
-            <a:miter lim="400000"/>
-          </a:ln>
-          <a:extLst>
-            <a:ext uri="{C572A759-6A51-4108-AA02-DFA0A04FC94B}">
-              <ma14:wrappingTextBoxFlag xmlns:ma14="http://schemas.microsoft.com/office/mac/drawingml/2011/main" val="1"/>
-            </a:ext>
-          </a:extLst>
-        </p:spPr>
-        <p:txBody>
-          <a:bodyPr lIns="50800" tIns="50800" rIns="50800" bIns="50800" anchor="ctr">
-            <a:normAutofit fontScale="100000" lnSpcReduction="0"/>
-          </a:bodyPr>
-          <a:lstStyle>
-            <a:lvl1pPr defTabSz="309625">
-              <a:defRPr sz="4240"/>
-            </a:lvl1pPr>
-          </a:lstStyle>
-          <a:p>
-            <a:pPr/>
-            <a:r>
-              <a:t>Implementation source code and tests can all be found at the following link:</a:t>
-            </a:r>
-          </a:p>
-        </p:txBody>
-      </p:sp>
-      <p:sp>
-        <p:nvSpPr>
-          <p:cNvPr id="362" name="Shape 362"/>
-          <p:cNvSpPr/>
-          <p:nvPr/>
-        </p:nvSpPr>
-        <p:spPr>
-          <a:xfrm>
-            <a:off x="779530" y="5494588"/>
-            <a:ext cx="11445740" cy="660401"/>
-          </a:xfrm>
-          <a:prstGeom prst="rect">
-            <a:avLst/>
-          </a:prstGeom>
-          <a:ln w="12700">
-            <a:miter lim="400000"/>
-          </a:ln>
-          <a:extLst>
-            <a:ext uri="{C572A759-6A51-4108-AA02-DFA0A04FC94B}">
-              <ma14:wrappingTextBoxFlag xmlns:ma14="http://schemas.microsoft.com/office/mac/drawingml/2011/main" val="1"/>
-            </a:ext>
-          </a:extLst>
-        </p:spPr>
-        <p:txBody>
-          <a:bodyPr wrap="none" lIns="50800" tIns="50800" rIns="50800" bIns="50800" anchor="ctr">
-            <a:spAutoFit/>
-          </a:bodyPr>
-          <a:lstStyle>
-            <a:lvl1pPr>
-              <a:defRPr b="1" sz="3800" u="sng">
-                <a:hlinkClick r:id="rId2" invalidUrl="" action="" tgtFrame="" tooltip="" history="1" highlightClick="0" endSnd="0"/>
-              </a:defRPr>
-            </a:lvl1pPr>
-          </a:lstStyle>
-          <a:p>
-            <a:pPr>
-              <a:defRPr u="none"/>
-            </a:pPr>
-            <a:r>
-              <a:rPr u="sng">
-                <a:hlinkClick r:id="rId2" invalidUrl="" action="" tgtFrame="" tooltip="" history="1" highlightClick="0" endSnd="0"/>
-              </a:rPr>
-              <a:t>github.com/williamfiset/data-structures</a:t>
-            </a:r>
-          </a:p>
-        </p:txBody>
-      </p:sp>
-    </p:spTree>
-  </p:cSld>
-  <p:clrMapOvr>
-    <a:masterClrMapping/>
-  </p:clrMapOvr>
-  <p:transition xmlns:p14="http://schemas.microsoft.com/office/powerpoint/2010/main" spd="med" advClick="1"/>
 </p:sld>
 </file>
 
@@ -11767,7 +11145,7 @@
       </p:grpSpPr>
       <p:sp>
         <p:nvSpPr>
-          <p:cNvPr id="125" name="Shape 125"/>
+          <p:cNvPr id="124" name="Outline"/>
           <p:cNvSpPr/>
           <p:nvPr>
             <p:ph type="title"/>
@@ -11791,7 +11169,7 @@
       </p:sp>
       <p:sp>
         <p:nvSpPr>
-          <p:cNvPr id="126" name="Shape 126"/>
+          <p:cNvPr id="125" name="Discussion and examples about Arrays…"/>
           <p:cNvSpPr/>
           <p:nvPr>
             <p:ph type="body" idx="1"/>
@@ -11893,32 +11271,6 @@
           </a:p>
         </p:txBody>
       </p:sp>
-    </p:spTree>
-  </p:cSld>
-  <p:clrMapOvr>
-    <a:masterClrMapping/>
-  </p:clrMapOvr>
-  <p:transition xmlns:p14="http://schemas.microsoft.com/office/powerpoint/2010/main" spd="med" advClick="1"/>
-</p:sld>
-</file>
-
-<file path=ppt/slides/slide20.xml><?xml version="1.0" encoding="utf-8"?>
-<p:sld xmlns:a="http://schemas.openxmlformats.org/drawingml/2006/main" xmlns:r="http://schemas.openxmlformats.org/officeDocument/2006/relationships" xmlns:p="http://schemas.openxmlformats.org/presentationml/2006/main" showMasterSp="1" showMasterPhAnim="1">
-  <p:cSld>
-    <p:spTree>
-      <p:nvGrpSpPr>
-        <p:cNvPr id="1" name=""/>
-        <p:cNvGrpSpPr/>
-        <p:nvPr/>
-      </p:nvGrpSpPr>
-      <p:grpSpPr>
-        <a:xfrm>
-          <a:off x="0" y="0"/>
-          <a:ext cx="0" cy="0"/>
-          <a:chOff x="0" y="0"/>
-          <a:chExt cx="0" cy="0"/>
-        </a:xfrm>
-      </p:grpSpPr>
     </p:spTree>
   </p:cSld>
   <p:clrMapOvr>
@@ -11947,7 +11299,7 @@
       </p:grpSpPr>
       <p:sp>
         <p:nvSpPr>
-          <p:cNvPr id="130" name="Shape 130"/>
+          <p:cNvPr id="129" name="Discussion and examples"/>
           <p:cNvSpPr/>
           <p:nvPr>
             <p:ph type="title"/>
@@ -12005,7 +11357,7 @@
       </p:grpSpPr>
       <p:sp>
         <p:nvSpPr>
-          <p:cNvPr id="132" name="Shape 132"/>
+          <p:cNvPr id="131" name="What is a static Array?"/>
           <p:cNvSpPr/>
           <p:nvPr>
             <p:ph type="title"/>
@@ -12041,7 +11393,7 @@
       </p:sp>
       <p:sp>
         <p:nvSpPr>
-          <p:cNvPr id="133" name="Shape 133"/>
+          <p:cNvPr id="132" name="A static array is a fixed length container containing n elements indexable from the range [0, n-1]."/>
           <p:cNvSpPr/>
           <p:nvPr/>
         </p:nvSpPr>
@@ -12091,7 +11443,7 @@
       </p:sp>
       <p:sp>
         <p:nvSpPr>
-          <p:cNvPr id="134" name="Shape 134"/>
+          <p:cNvPr id="133" name="Q: What is meant by being ‘indexable’?…"/>
           <p:cNvSpPr/>
           <p:nvPr/>
         </p:nvSpPr>
@@ -12170,7 +11522,7 @@
       </p:grpSpPr>
       <p:sp>
         <p:nvSpPr>
-          <p:cNvPr id="138" name="Shape 138"/>
+          <p:cNvPr id="137" name="When and where is a static Array used?"/>
           <p:cNvSpPr/>
           <p:nvPr>
             <p:ph type="title"/>
@@ -12202,7 +11554,7 @@
       </p:sp>
       <p:sp>
         <p:nvSpPr>
-          <p:cNvPr id="139" name="Shape 139"/>
+          <p:cNvPr id="138" name="1) Storing and accessing sequential data…"/>
           <p:cNvSpPr/>
           <p:nvPr/>
         </p:nvSpPr>
@@ -12331,7 +11683,7 @@
       </p:grpSpPr>
       <p:sp>
         <p:nvSpPr>
-          <p:cNvPr id="143" name="Shape 143"/>
+          <p:cNvPr id="142" name="Complexity"/>
           <p:cNvSpPr/>
           <p:nvPr>
             <p:ph type="ctrTitle"/>
@@ -12363,7 +11715,7 @@
       </p:sp>
       <p:graphicFrame>
         <p:nvGraphicFramePr>
-          <p:cNvPr id="144" name="Table 144"/>
+          <p:cNvPr id="143" name="Table"/>
           <p:cNvGraphicFramePr/>
           <p:nvPr/>
         </p:nvGraphicFramePr>
@@ -12966,7 +12318,7 @@
       </p:graphicFrame>
       <p:sp>
         <p:nvSpPr>
-          <p:cNvPr id="145" name="Shape 145"/>
+          <p:cNvPr id="144" name="Static Array"/>
           <p:cNvSpPr/>
           <p:nvPr/>
         </p:nvSpPr>
@@ -13006,7 +12358,7 @@
       </p:sp>
       <p:sp>
         <p:nvSpPr>
-          <p:cNvPr id="146" name="Shape 146"/>
+          <p:cNvPr id="145" name="Dynamic Array"/>
           <p:cNvSpPr/>
           <p:nvPr/>
         </p:nvSpPr>
@@ -13072,7 +12424,7 @@
       </p:grpSpPr>
       <p:sp>
         <p:nvSpPr>
-          <p:cNvPr id="150" name="Shape 150"/>
+          <p:cNvPr id="149" name="Static Array"/>
           <p:cNvSpPr/>
           <p:nvPr>
             <p:ph type="ctrTitle"/>
@@ -13100,7 +12452,7 @@
       </p:sp>
       <p:graphicFrame>
         <p:nvGraphicFramePr>
-          <p:cNvPr id="151" name="Table 151"/>
+          <p:cNvPr id="150" name="Table"/>
           <p:cNvGraphicFramePr/>
           <p:nvPr/>
         </p:nvGraphicFramePr>
@@ -13514,7 +12866,7 @@
       </p:graphicFrame>
       <p:graphicFrame>
         <p:nvGraphicFramePr>
-          <p:cNvPr id="152" name="Table 152"/>
+          <p:cNvPr id="151" name="Table"/>
           <p:cNvGraphicFramePr/>
           <p:nvPr/>
         </p:nvGraphicFramePr>
@@ -13928,7 +13280,7 @@
       </p:graphicFrame>
       <p:sp>
         <p:nvSpPr>
-          <p:cNvPr id="153" name="Shape 153"/>
+          <p:cNvPr id="152" name="A ="/>
           <p:cNvSpPr/>
           <p:nvPr/>
         </p:nvSpPr>
@@ -13968,7 +13320,7 @@
       </p:sp>
       <p:sp>
         <p:nvSpPr>
-          <p:cNvPr id="154" name="Shape 154"/>
+          <p:cNvPr id="153" name="Line"/>
           <p:cNvSpPr/>
           <p:nvPr/>
         </p:nvSpPr>
@@ -14005,7 +13357,7 @@
       </p:sp>
       <p:sp>
         <p:nvSpPr>
-          <p:cNvPr id="155" name="Shape 155"/>
+          <p:cNvPr id="154" name="Line"/>
           <p:cNvSpPr/>
           <p:nvPr/>
         </p:nvSpPr>
@@ -14042,7 +13394,7 @@
       </p:sp>
       <p:sp>
         <p:nvSpPr>
-          <p:cNvPr id="156" name="Shape 156"/>
+          <p:cNvPr id="155" name="Line"/>
           <p:cNvSpPr/>
           <p:nvPr/>
         </p:nvSpPr>
@@ -14079,7 +13431,7 @@
       </p:sp>
       <p:sp>
         <p:nvSpPr>
-          <p:cNvPr id="157" name="Shape 157"/>
+          <p:cNvPr id="156" name="Line"/>
           <p:cNvSpPr/>
           <p:nvPr/>
         </p:nvSpPr>
@@ -14116,7 +13468,7 @@
       </p:sp>
       <p:sp>
         <p:nvSpPr>
-          <p:cNvPr id="158" name="Shape 158"/>
+          <p:cNvPr id="157" name="Line"/>
           <p:cNvSpPr/>
           <p:nvPr/>
         </p:nvSpPr>
@@ -14153,7 +13505,7 @@
       </p:sp>
       <p:sp>
         <p:nvSpPr>
-          <p:cNvPr id="159" name="Shape 159"/>
+          <p:cNvPr id="158" name="Line"/>
           <p:cNvSpPr/>
           <p:nvPr/>
         </p:nvSpPr>
@@ -14190,7 +13542,7 @@
       </p:sp>
       <p:sp>
         <p:nvSpPr>
-          <p:cNvPr id="160" name="Shape 160"/>
+          <p:cNvPr id="159" name="Line"/>
           <p:cNvSpPr/>
           <p:nvPr/>
         </p:nvSpPr>
@@ -14227,7 +13579,7 @@
       </p:sp>
       <p:sp>
         <p:nvSpPr>
-          <p:cNvPr id="161" name="Shape 161"/>
+          <p:cNvPr id="160" name="Line"/>
           <p:cNvSpPr/>
           <p:nvPr/>
         </p:nvSpPr>
@@ -14264,7 +13616,7 @@
       </p:sp>
       <p:sp>
         <p:nvSpPr>
-          <p:cNvPr id="162" name="Shape 162"/>
+          <p:cNvPr id="161" name="Line"/>
           <p:cNvSpPr/>
           <p:nvPr/>
         </p:nvSpPr>
@@ -14301,7 +13653,7 @@
       </p:sp>
       <p:sp>
         <p:nvSpPr>
-          <p:cNvPr id="163" name="Shape 163"/>
+          <p:cNvPr id="162" name="Line"/>
           <p:cNvSpPr/>
           <p:nvPr/>
         </p:nvSpPr>
@@ -14338,7 +13690,7 @@
       </p:sp>
       <p:sp>
         <p:nvSpPr>
-          <p:cNvPr id="164" name="Shape 164"/>
+          <p:cNvPr id="163" name="Line"/>
           <p:cNvSpPr/>
           <p:nvPr/>
         </p:nvSpPr>
@@ -14375,7 +13727,7 @@
       </p:sp>
       <p:sp>
         <p:nvSpPr>
-          <p:cNvPr id="165" name="Shape 165"/>
+          <p:cNvPr id="164" name="Line"/>
           <p:cNvSpPr/>
           <p:nvPr/>
         </p:nvSpPr>
@@ -14412,7 +13764,7 @@
       </p:sp>
       <p:sp>
         <p:nvSpPr>
-          <p:cNvPr id="166" name="Shape 166"/>
+          <p:cNvPr id="165" name="Line"/>
           <p:cNvSpPr/>
           <p:nvPr/>
         </p:nvSpPr>
@@ -14449,7 +13801,7 @@
       </p:sp>
       <p:sp>
         <p:nvSpPr>
-          <p:cNvPr id="167" name="Shape 167"/>
+          <p:cNvPr id="166" name="Line"/>
           <p:cNvSpPr/>
           <p:nvPr/>
         </p:nvSpPr>
@@ -14486,7 +13838,7 @@
       </p:sp>
       <p:sp>
         <p:nvSpPr>
-          <p:cNvPr id="168" name="Shape 168"/>
+          <p:cNvPr id="167" name="Line"/>
           <p:cNvSpPr/>
           <p:nvPr/>
         </p:nvSpPr>
@@ -14523,7 +13875,7 @@
       </p:sp>
       <p:sp>
         <p:nvSpPr>
-          <p:cNvPr id="169" name="Shape 169"/>
+          <p:cNvPr id="168" name="Line"/>
           <p:cNvSpPr/>
           <p:nvPr/>
         </p:nvSpPr>
@@ -14560,7 +13912,7 @@
       </p:sp>
       <p:sp>
         <p:nvSpPr>
-          <p:cNvPr id="170" name="Shape 170"/>
+          <p:cNvPr id="169" name="Line"/>
           <p:cNvSpPr/>
           <p:nvPr/>
         </p:nvSpPr>
@@ -14597,7 +13949,7 @@
       </p:sp>
       <p:sp>
         <p:nvSpPr>
-          <p:cNvPr id="171" name="Shape 171"/>
+          <p:cNvPr id="170" name="Line"/>
           <p:cNvSpPr/>
           <p:nvPr/>
         </p:nvSpPr>
@@ -14634,7 +13986,7 @@
       </p:sp>
       <p:sp>
         <p:nvSpPr>
-          <p:cNvPr id="172" name="Shape 172"/>
+          <p:cNvPr id="171" name="Elements in A are referenced by their index. There is no other way to access elements in an array. Array indexing is zero-based, meaning the first element is found in position zero."/>
           <p:cNvSpPr/>
           <p:nvPr/>
         </p:nvSpPr>
@@ -14703,7 +14055,7 @@
       </p:grpSpPr>
       <p:sp>
         <p:nvSpPr>
-          <p:cNvPr id="176" name="Shape 176"/>
+          <p:cNvPr id="175" name="Static Array"/>
           <p:cNvSpPr/>
           <p:nvPr>
             <p:ph type="ctrTitle"/>
@@ -14731,7 +14083,7 @@
       </p:sp>
       <p:graphicFrame>
         <p:nvGraphicFramePr>
-          <p:cNvPr id="177" name="Table 177"/>
+          <p:cNvPr id="176" name="Table"/>
           <p:cNvGraphicFramePr/>
           <p:nvPr/>
         </p:nvGraphicFramePr>
@@ -15145,7 +14497,7 @@
       </p:graphicFrame>
       <p:graphicFrame>
         <p:nvGraphicFramePr>
-          <p:cNvPr id="178" name="Table 178"/>
+          <p:cNvPr id="177" name="Table"/>
           <p:cNvGraphicFramePr/>
           <p:nvPr/>
         </p:nvGraphicFramePr>
@@ -15559,7 +14911,7 @@
       </p:graphicFrame>
       <p:sp>
         <p:nvSpPr>
-          <p:cNvPr id="179" name="Shape 179"/>
+          <p:cNvPr id="178" name="A ="/>
           <p:cNvSpPr/>
           <p:nvPr/>
         </p:nvSpPr>
@@ -15599,7 +14951,7 @@
       </p:sp>
       <p:sp>
         <p:nvSpPr>
-          <p:cNvPr id="180" name="Shape 180"/>
+          <p:cNvPr id="179" name="Line"/>
           <p:cNvSpPr/>
           <p:nvPr/>
         </p:nvSpPr>
@@ -15636,7 +14988,7 @@
       </p:sp>
       <p:sp>
         <p:nvSpPr>
-          <p:cNvPr id="181" name="Shape 181"/>
+          <p:cNvPr id="180" name="Line"/>
           <p:cNvSpPr/>
           <p:nvPr/>
         </p:nvSpPr>
@@ -15673,7 +15025,7 @@
       </p:sp>
       <p:sp>
         <p:nvSpPr>
-          <p:cNvPr id="182" name="Shape 182"/>
+          <p:cNvPr id="181" name="Line"/>
           <p:cNvSpPr/>
           <p:nvPr/>
         </p:nvSpPr>
@@ -15710,7 +15062,7 @@
       </p:sp>
       <p:sp>
         <p:nvSpPr>
-          <p:cNvPr id="183" name="Shape 183"/>
+          <p:cNvPr id="182" name="Line"/>
           <p:cNvSpPr/>
           <p:nvPr/>
         </p:nvSpPr>
@@ -15747,7 +15099,7 @@
       </p:sp>
       <p:sp>
         <p:nvSpPr>
-          <p:cNvPr id="184" name="Shape 184"/>
+          <p:cNvPr id="183" name="Line"/>
           <p:cNvSpPr/>
           <p:nvPr/>
         </p:nvSpPr>
@@ -15784,7 +15136,7 @@
       </p:sp>
       <p:sp>
         <p:nvSpPr>
-          <p:cNvPr id="185" name="Shape 185"/>
+          <p:cNvPr id="184" name="Line"/>
           <p:cNvSpPr/>
           <p:nvPr/>
         </p:nvSpPr>
@@ -15821,7 +15173,7 @@
       </p:sp>
       <p:sp>
         <p:nvSpPr>
-          <p:cNvPr id="186" name="Shape 186"/>
+          <p:cNvPr id="185" name="Line"/>
           <p:cNvSpPr/>
           <p:nvPr/>
         </p:nvSpPr>
@@ -15858,7 +15210,7 @@
       </p:sp>
       <p:sp>
         <p:nvSpPr>
-          <p:cNvPr id="187" name="Shape 187"/>
+          <p:cNvPr id="186" name="Line"/>
           <p:cNvSpPr/>
           <p:nvPr/>
         </p:nvSpPr>
@@ -15895,7 +15247,7 @@
       </p:sp>
       <p:sp>
         <p:nvSpPr>
-          <p:cNvPr id="188" name="Shape 188"/>
+          <p:cNvPr id="187" name="Line"/>
           <p:cNvSpPr/>
           <p:nvPr/>
         </p:nvSpPr>
@@ -15932,7 +15284,7 @@
       </p:sp>
       <p:sp>
         <p:nvSpPr>
-          <p:cNvPr id="189" name="Shape 189"/>
+          <p:cNvPr id="188" name="Line"/>
           <p:cNvSpPr/>
           <p:nvPr/>
         </p:nvSpPr>
@@ -15969,7 +15321,7 @@
       </p:sp>
       <p:sp>
         <p:nvSpPr>
-          <p:cNvPr id="190" name="Shape 190"/>
+          <p:cNvPr id="189" name="Line"/>
           <p:cNvSpPr/>
           <p:nvPr/>
         </p:nvSpPr>
@@ -16006,7 +15358,7 @@
       </p:sp>
       <p:sp>
         <p:nvSpPr>
-          <p:cNvPr id="191" name="Shape 191"/>
+          <p:cNvPr id="190" name="Line"/>
           <p:cNvSpPr/>
           <p:nvPr/>
         </p:nvSpPr>
@@ -16043,7 +15395,7 @@
       </p:sp>
       <p:sp>
         <p:nvSpPr>
-          <p:cNvPr id="192" name="Shape 192"/>
+          <p:cNvPr id="191" name="Line"/>
           <p:cNvSpPr/>
           <p:nvPr/>
         </p:nvSpPr>
@@ -16080,7 +15432,7 @@
       </p:sp>
       <p:sp>
         <p:nvSpPr>
-          <p:cNvPr id="193" name="Shape 193"/>
+          <p:cNvPr id="192" name="Line"/>
           <p:cNvSpPr/>
           <p:nvPr/>
         </p:nvSpPr>
@@ -16117,7 +15469,7 @@
       </p:sp>
       <p:sp>
         <p:nvSpPr>
-          <p:cNvPr id="194" name="Shape 194"/>
+          <p:cNvPr id="193" name="Line"/>
           <p:cNvSpPr/>
           <p:nvPr/>
         </p:nvSpPr>
@@ -16154,7 +15506,7 @@
       </p:sp>
       <p:sp>
         <p:nvSpPr>
-          <p:cNvPr id="195" name="Shape 195"/>
+          <p:cNvPr id="194" name="Line"/>
           <p:cNvSpPr/>
           <p:nvPr/>
         </p:nvSpPr>
@@ -16191,7 +15543,7 @@
       </p:sp>
       <p:sp>
         <p:nvSpPr>
-          <p:cNvPr id="196" name="Shape 196"/>
+          <p:cNvPr id="195" name="Line"/>
           <p:cNvSpPr/>
           <p:nvPr/>
         </p:nvSpPr>
@@ -16228,7 +15580,7 @@
       </p:sp>
       <p:sp>
         <p:nvSpPr>
-          <p:cNvPr id="197" name="Shape 197"/>
+          <p:cNvPr id="196" name="Line"/>
           <p:cNvSpPr/>
           <p:nvPr/>
         </p:nvSpPr>
@@ -16265,7 +15617,7 @@
       </p:sp>
       <p:sp>
         <p:nvSpPr>
-          <p:cNvPr id="198" name="Shape 198"/>
+          <p:cNvPr id="197" name="A[0] = 44"/>
           <p:cNvSpPr/>
           <p:nvPr/>
         </p:nvSpPr>
@@ -16301,7 +15653,7 @@
       </p:sp>
       <p:sp>
         <p:nvSpPr>
-          <p:cNvPr id="199" name="Shape 199"/>
+          <p:cNvPr id="198" name="A[1] = 12"/>
           <p:cNvSpPr/>
           <p:nvPr/>
         </p:nvSpPr>
@@ -16337,7 +15689,7 @@
       </p:sp>
       <p:sp>
         <p:nvSpPr>
-          <p:cNvPr id="200" name="Shape 200"/>
+          <p:cNvPr id="199" name="A[4] = 6"/>
           <p:cNvSpPr/>
           <p:nvPr/>
         </p:nvSpPr>
@@ -16373,7 +15725,7 @@
       </p:sp>
       <p:sp>
         <p:nvSpPr>
-          <p:cNvPr id="201" name="Shape 201"/>
+          <p:cNvPr id="200" name="A[7] = 9"/>
           <p:cNvSpPr/>
           <p:nvPr/>
         </p:nvSpPr>
@@ -16409,7 +15761,7 @@
       </p:sp>
       <p:sp>
         <p:nvSpPr>
-          <p:cNvPr id="202" name="Shape 202"/>
+          <p:cNvPr id="201" name="A[9] =&gt; index out of bounds!"/>
           <p:cNvSpPr/>
           <p:nvPr/>
         </p:nvSpPr>
@@ -16494,7 +15846,7 @@
                                       <p:cBhvr>
                                         <p:cTn id="6" fill="hold"/>
                                         <p:tgtEl>
-                                          <p:spTgt spid="199">
+                                          <p:spTgt spid="198">
                                             <p:bg/>
                                           </p:spTgt>
                                         </p:tgtEl>
@@ -16522,7 +15874,7 @@
                                       <p:cBhvr>
                                         <p:cTn id="8" fill="hold"/>
                                         <p:tgtEl>
-                                          <p:spTgt spid="199">
+                                          <p:spTgt spid="198">
                                             <p:txEl>
                                               <p:pRg st="0" end="0"/>
                                             </p:txEl>
@@ -16570,7 +15922,7 @@
                                       <p:cBhvr>
                                         <p:cTn id="12" fill="hold"/>
                                         <p:tgtEl>
-                                          <p:spTgt spid="200">
+                                          <p:spTgt spid="199">
                                             <p:bg/>
                                           </p:spTgt>
                                         </p:tgtEl>
@@ -16598,7 +15950,7 @@
                                       <p:cBhvr>
                                         <p:cTn id="14" fill="hold"/>
                                         <p:tgtEl>
-                                          <p:spTgt spid="200">
+                                          <p:spTgt spid="199">
                                             <p:txEl>
                                               <p:pRg st="0" end="0"/>
                                             </p:txEl>
@@ -16646,7 +15998,7 @@
                                       <p:cBhvr>
                                         <p:cTn id="18" fill="hold"/>
                                         <p:tgtEl>
-                                          <p:spTgt spid="201">
+                                          <p:spTgt spid="200">
                                             <p:bg/>
                                           </p:spTgt>
                                         </p:tgtEl>
@@ -16674,7 +16026,7 @@
                                       <p:cBhvr>
                                         <p:cTn id="20" fill="hold"/>
                                         <p:tgtEl>
-                                          <p:spTgt spid="201">
+                                          <p:spTgt spid="200">
                                             <p:txEl>
                                               <p:pRg st="0" end="0"/>
                                             </p:txEl>
@@ -16722,7 +16074,7 @@
                                       <p:cBhvr>
                                         <p:cTn id="24" fill="hold"/>
                                         <p:tgtEl>
-                                          <p:spTgt spid="202">
+                                          <p:spTgt spid="201">
                                             <p:bg/>
                                           </p:spTgt>
                                         </p:tgtEl>
@@ -16750,7 +16102,7 @@
                                       <p:cBhvr>
                                         <p:cTn id="26" fill="hold"/>
                                         <p:tgtEl>
-                                          <p:spTgt spid="202">
+                                          <p:spTgt spid="201">
                                             <p:txEl>
                                               <p:pRg st="0" end="0"/>
                                             </p:txEl>
@@ -16795,10 +16147,10 @@
       </p:par>
     </p:tnLst>
     <p:bldLst>
-      <p:bldP build="p" bldLvl="5" animBg="1" rev="0" advAuto="0" spid="202" grpId="4"/>
-      <p:bldP build="p" bldLvl="5" animBg="1" rev="0" advAuto="0" spid="200" grpId="2"/>
-      <p:bldP build="p" bldLvl="5" animBg="1" rev="0" advAuto="0" spid="199" grpId="1"/>
-      <p:bldP build="p" bldLvl="5" animBg="1" rev="0" advAuto="0" spid="201" grpId="3"/>
+      <p:bldP build="p" bldLvl="5" animBg="1" rev="0" advAuto="0" spid="200" grpId="3"/>
+      <p:bldP build="p" bldLvl="5" animBg="1" rev="0" advAuto="0" spid="198" grpId="1"/>
+      <p:bldP build="p" bldLvl="5" animBg="1" rev="0" advAuto="0" spid="201" grpId="4"/>
+      <p:bldP build="p" bldLvl="5" animBg="1" rev="0" advAuto="0" spid="199" grpId="2"/>
     </p:bldLst>
   </p:timing>
 </p:sld>
@@ -16823,7 +16175,7 @@
       </p:grpSpPr>
       <p:sp>
         <p:nvSpPr>
-          <p:cNvPr id="204" name="Shape 204"/>
+          <p:cNvPr id="203" name="Static Array"/>
           <p:cNvSpPr/>
           <p:nvPr>
             <p:ph type="ctrTitle"/>
@@ -16851,7 +16203,7 @@
       </p:sp>
       <p:sp>
         <p:nvSpPr>
-          <p:cNvPr id="205" name="Shape 205"/>
+          <p:cNvPr id="204" name="Line"/>
           <p:cNvSpPr/>
           <p:nvPr/>
         </p:nvSpPr>
@@ -16888,7 +16240,7 @@
       </p:sp>
       <p:sp>
         <p:nvSpPr>
-          <p:cNvPr id="206" name="Shape 206"/>
+          <p:cNvPr id="205" name="Line"/>
           <p:cNvSpPr/>
           <p:nvPr/>
         </p:nvSpPr>
@@ -16925,7 +16277,7 @@
       </p:sp>
       <p:sp>
         <p:nvSpPr>
-          <p:cNvPr id="207" name="Shape 207"/>
+          <p:cNvPr id="206" name="Line"/>
           <p:cNvSpPr/>
           <p:nvPr/>
         </p:nvSpPr>
@@ -16962,7 +16314,7 @@
       </p:sp>
       <p:sp>
         <p:nvSpPr>
-          <p:cNvPr id="208" name="Shape 208"/>
+          <p:cNvPr id="207" name="Line"/>
           <p:cNvSpPr/>
           <p:nvPr/>
         </p:nvSpPr>
@@ -16999,7 +16351,7 @@
       </p:sp>
       <p:sp>
         <p:nvSpPr>
-          <p:cNvPr id="209" name="Shape 209"/>
+          <p:cNvPr id="208" name="Line"/>
           <p:cNvSpPr/>
           <p:nvPr/>
         </p:nvSpPr>
@@ -17036,7 +16388,7 @@
       </p:sp>
       <p:sp>
         <p:nvSpPr>
-          <p:cNvPr id="210" name="Shape 210"/>
+          <p:cNvPr id="209" name="Line"/>
           <p:cNvSpPr/>
           <p:nvPr/>
         </p:nvSpPr>
@@ -17073,7 +16425,7 @@
       </p:sp>
       <p:sp>
         <p:nvSpPr>
-          <p:cNvPr id="211" name="Shape 211"/>
+          <p:cNvPr id="210" name="Line"/>
           <p:cNvSpPr/>
           <p:nvPr/>
         </p:nvSpPr>
@@ -17110,7 +16462,7 @@
       </p:sp>
       <p:sp>
         <p:nvSpPr>
-          <p:cNvPr id="212" name="Shape 212"/>
+          <p:cNvPr id="211" name="Line"/>
           <p:cNvSpPr/>
           <p:nvPr/>
         </p:nvSpPr>
@@ -17147,7 +16499,7 @@
       </p:sp>
       <p:sp>
         <p:nvSpPr>
-          <p:cNvPr id="213" name="Shape 213"/>
+          <p:cNvPr id="212" name="Line"/>
           <p:cNvSpPr/>
           <p:nvPr/>
         </p:nvSpPr>
@@ -17184,7 +16536,7 @@
       </p:sp>
       <p:sp>
         <p:nvSpPr>
-          <p:cNvPr id="214" name="Shape 214"/>
+          <p:cNvPr id="213" name="Line"/>
           <p:cNvSpPr/>
           <p:nvPr/>
         </p:nvSpPr>
@@ -17221,7 +16573,7 @@
       </p:sp>
       <p:sp>
         <p:nvSpPr>
-          <p:cNvPr id="215" name="Shape 215"/>
+          <p:cNvPr id="214" name="Line"/>
           <p:cNvSpPr/>
           <p:nvPr/>
         </p:nvSpPr>
@@ -17258,7 +16610,7 @@
       </p:sp>
       <p:sp>
         <p:nvSpPr>
-          <p:cNvPr id="216" name="Shape 216"/>
+          <p:cNvPr id="215" name="Line"/>
           <p:cNvSpPr/>
           <p:nvPr/>
         </p:nvSpPr>
@@ -17295,7 +16647,7 @@
       </p:sp>
       <p:sp>
         <p:nvSpPr>
-          <p:cNvPr id="217" name="Shape 217"/>
+          <p:cNvPr id="216" name="Line"/>
           <p:cNvSpPr/>
           <p:nvPr/>
         </p:nvSpPr>
@@ -17332,7 +16684,7 @@
       </p:sp>
       <p:sp>
         <p:nvSpPr>
-          <p:cNvPr id="218" name="Shape 218"/>
+          <p:cNvPr id="217" name="Line"/>
           <p:cNvSpPr/>
           <p:nvPr/>
         </p:nvSpPr>
@@ -17369,7 +16721,7 @@
       </p:sp>
       <p:sp>
         <p:nvSpPr>
-          <p:cNvPr id="219" name="Shape 219"/>
+          <p:cNvPr id="218" name="Line"/>
           <p:cNvSpPr/>
           <p:nvPr/>
         </p:nvSpPr>
@@ -17406,7 +16758,7 @@
       </p:sp>
       <p:sp>
         <p:nvSpPr>
-          <p:cNvPr id="220" name="Shape 220"/>
+          <p:cNvPr id="219" name="Line"/>
           <p:cNvSpPr/>
           <p:nvPr/>
         </p:nvSpPr>
@@ -17443,7 +16795,7 @@
       </p:sp>
       <p:graphicFrame>
         <p:nvGraphicFramePr>
-          <p:cNvPr id="221" name="Table 221"/>
+          <p:cNvPr id="220" name="Table"/>
           <p:cNvGraphicFramePr/>
           <p:nvPr/>
         </p:nvGraphicFramePr>
@@ -17857,7 +17209,7 @@
       </p:graphicFrame>
       <p:graphicFrame>
         <p:nvGraphicFramePr>
-          <p:cNvPr id="222" name="Table 222"/>
+          <p:cNvPr id="221" name="Table"/>
           <p:cNvGraphicFramePr/>
           <p:nvPr/>
         </p:nvGraphicFramePr>
@@ -18271,7 +17623,7 @@
       </p:graphicFrame>
       <p:sp>
         <p:nvSpPr>
-          <p:cNvPr id="223" name="Shape 223"/>
+          <p:cNvPr id="222" name="A ="/>
           <p:cNvSpPr/>
           <p:nvPr/>
         </p:nvSpPr>
@@ -18311,7 +17663,7 @@
       </p:sp>
       <p:sp>
         <p:nvSpPr>
-          <p:cNvPr id="224" name="Shape 224"/>
+          <p:cNvPr id="223" name="Line"/>
           <p:cNvSpPr/>
           <p:nvPr/>
         </p:nvSpPr>
@@ -18348,7 +17700,7 @@
       </p:sp>
       <p:sp>
         <p:nvSpPr>
-          <p:cNvPr id="225" name="Shape 225"/>
+          <p:cNvPr id="224" name="Line"/>
           <p:cNvSpPr/>
           <p:nvPr/>
         </p:nvSpPr>
@@ -18385,7 +17737,7 @@
       </p:sp>
       <p:sp>
         <p:nvSpPr>
-          <p:cNvPr id="226" name="Shape 226"/>
+          <p:cNvPr id="225" name="Line"/>
           <p:cNvSpPr/>
           <p:nvPr/>
         </p:nvSpPr>
@@ -18422,7 +17774,7 @@
       </p:sp>
       <p:sp>
         <p:nvSpPr>
-          <p:cNvPr id="227" name="Shape 227"/>
+          <p:cNvPr id="226" name="Line"/>
           <p:cNvSpPr/>
           <p:nvPr/>
         </p:nvSpPr>
@@ -18459,7 +17811,7 @@
       </p:sp>
       <p:sp>
         <p:nvSpPr>
-          <p:cNvPr id="228" name="Shape 228"/>
+          <p:cNvPr id="227" name="Line"/>
           <p:cNvSpPr/>
           <p:nvPr/>
         </p:nvSpPr>
@@ -18496,7 +17848,7 @@
       </p:sp>
       <p:sp>
         <p:nvSpPr>
-          <p:cNvPr id="229" name="Shape 229"/>
+          <p:cNvPr id="228" name="Line"/>
           <p:cNvSpPr/>
           <p:nvPr/>
         </p:nvSpPr>
@@ -18533,7 +17885,7 @@
       </p:sp>
       <p:sp>
         <p:nvSpPr>
-          <p:cNvPr id="230" name="Shape 230"/>
+          <p:cNvPr id="229" name="Line"/>
           <p:cNvSpPr/>
           <p:nvPr/>
         </p:nvSpPr>
@@ -18570,7 +17922,7 @@
       </p:sp>
       <p:sp>
         <p:nvSpPr>
-          <p:cNvPr id="231" name="Shape 231"/>
+          <p:cNvPr id="230" name="Line"/>
           <p:cNvSpPr/>
           <p:nvPr/>
         </p:nvSpPr>
@@ -18607,7 +17959,7 @@
       </p:sp>
       <p:sp>
         <p:nvSpPr>
-          <p:cNvPr id="232" name="Shape 232"/>
+          <p:cNvPr id="231" name="Line"/>
           <p:cNvSpPr/>
           <p:nvPr/>
         </p:nvSpPr>
@@ -18644,7 +17996,7 @@
       </p:sp>
       <p:sp>
         <p:nvSpPr>
-          <p:cNvPr id="233" name="Shape 233"/>
+          <p:cNvPr id="232" name="Line"/>
           <p:cNvSpPr/>
           <p:nvPr/>
         </p:nvSpPr>
@@ -18681,7 +18033,7 @@
       </p:sp>
       <p:sp>
         <p:nvSpPr>
-          <p:cNvPr id="234" name="Shape 234"/>
+          <p:cNvPr id="233" name="A[0] = 44"/>
           <p:cNvSpPr/>
           <p:nvPr/>
         </p:nvSpPr>
@@ -18717,7 +18069,7 @@
       </p:sp>
       <p:sp>
         <p:nvSpPr>
-          <p:cNvPr id="235" name="Shape 235"/>
+          <p:cNvPr id="234" name="A[1] = 12"/>
           <p:cNvSpPr/>
           <p:nvPr/>
         </p:nvSpPr>
@@ -18753,7 +18105,7 @@
       </p:sp>
       <p:sp>
         <p:nvSpPr>
-          <p:cNvPr id="236" name="Shape 236"/>
+          <p:cNvPr id="235" name="A[4] = 6"/>
           <p:cNvSpPr/>
           <p:nvPr/>
         </p:nvSpPr>
@@ -18789,7 +18141,7 @@
       </p:sp>
       <p:sp>
         <p:nvSpPr>
-          <p:cNvPr id="237" name="Shape 237"/>
+          <p:cNvPr id="236" name="A[7] = 9"/>
           <p:cNvSpPr/>
           <p:nvPr/>
         </p:nvSpPr>
@@ -18825,7 +18177,7 @@
       </p:sp>
       <p:sp>
         <p:nvSpPr>
-          <p:cNvPr id="238" name="Shape 238"/>
+          <p:cNvPr id="237" name="A[0] := -1"/>
           <p:cNvSpPr/>
           <p:nvPr/>
         </p:nvSpPr>
@@ -18861,7 +18213,7 @@
       </p:sp>
       <p:sp>
         <p:nvSpPr>
-          <p:cNvPr id="239" name="Shape 239"/>
+          <p:cNvPr id="238" name="A[9] =&gt; index out of bounds!"/>
           <p:cNvSpPr/>
           <p:nvPr/>
         </p:nvSpPr>
